--- a/files/DI-2021 Closing.pptx
+++ b/files/DI-2021 Closing.pptx
@@ -5,12 +5,14 @@
     <p:sldMasterId id="2147483648" r:id="rId1"/>
   </p:sldMasterIdLst>
   <p:notesMasterIdLst>
-    <p:notesMasterId r:id="rId5"/>
+    <p:notesMasterId r:id="rId7"/>
   </p:notesMasterIdLst>
   <p:sldIdLst>
     <p:sldId id="258" r:id="rId2"/>
-    <p:sldId id="259" r:id="rId3"/>
-    <p:sldId id="260" r:id="rId4"/>
+    <p:sldId id="271" r:id="rId3"/>
+    <p:sldId id="259" r:id="rId4"/>
+    <p:sldId id="260" r:id="rId5"/>
+    <p:sldId id="270" r:id="rId6"/>
   </p:sldIdLst>
   <p:sldSz cx="12192000" cy="6858000"/>
   <p:notesSz cx="6858000" cy="9144000"/>
@@ -109,11 +111,80 @@
       </a:defRPr>
     </a:lvl9pPr>
   </p:defaultTextStyle>
+  <p:extLst>
+    <p:ext uri="{EFAFB233-063F-42B5-8137-9DF3F51BA10A}">
+      <p15:sldGuideLst xmlns:p15="http://schemas.microsoft.com/office/powerpoint/2012/main"/>
+    </p:ext>
+  </p:extLst>
 </p:presentation>
+</file>
+
+<file path=ppt/revisionInfo.xml><?xml version="1.0" encoding="utf-8"?>
+<p1510:revInfo xmlns:a="http://schemas.openxmlformats.org/drawingml/2006/main" xmlns:r="http://schemas.openxmlformats.org/officeDocument/2006/relationships" xmlns:p1510="http://schemas.microsoft.com/office/powerpoint/2015/10/main">
+  <p1510:revLst>
+    <p1510:client id="{6F3F1678-49D8-44A3-B47C-4D193BB07411}" v="74" dt="2021-08-15T21:20:17.694"/>
+  </p1510:revLst>
+</p1510:revInfo>
 </file>
 
 <file path=ppt/changesInfos/changesInfo1.xml><?xml version="1.0" encoding="utf-8"?>
 <pc:chgInfo xmlns:a="http://schemas.openxmlformats.org/drawingml/2006/main" xmlns:r="http://schemas.openxmlformats.org/officeDocument/2006/relationships" xmlns:ac="http://schemas.microsoft.com/office/drawing/2013/main/command" xmlns:pc="http://schemas.microsoft.com/office/powerpoint/2013/main/command">
+  <pc:docChgLst>
+    <pc:chgData name="Benjamin Han" userId="4106c88e-5a34-44dd-9a61-7f364347babc" providerId="ADAL" clId="{6F3F1678-49D8-44A3-B47C-4D193BB07411}"/>
+    <pc:docChg chg="custSel addSld modSld sldOrd">
+      <pc:chgData name="Benjamin Han" userId="4106c88e-5a34-44dd-9a61-7f364347babc" providerId="ADAL" clId="{6F3F1678-49D8-44A3-B47C-4D193BB07411}" dt="2021-08-15T21:20:17.695" v="75" actId="26606"/>
+      <pc:docMkLst>
+        <pc:docMk/>
+      </pc:docMkLst>
+      <pc:sldChg chg="addSp delSp modSp new mod ord setBg setClrOvrMap">
+        <pc:chgData name="Benjamin Han" userId="4106c88e-5a34-44dd-9a61-7f364347babc" providerId="ADAL" clId="{6F3F1678-49D8-44A3-B47C-4D193BB07411}" dt="2021-08-15T21:20:17.695" v="75" actId="26606"/>
+        <pc:sldMkLst>
+          <pc:docMk/>
+          <pc:sldMk cId="2905886471" sldId="271"/>
+        </pc:sldMkLst>
+        <pc:spChg chg="mod">
+          <ac:chgData name="Benjamin Han" userId="4106c88e-5a34-44dd-9a61-7f364347babc" providerId="ADAL" clId="{6F3F1678-49D8-44A3-B47C-4D193BB07411}" dt="2021-08-15T21:20:17.695" v="75" actId="26606"/>
+          <ac:spMkLst>
+            <pc:docMk/>
+            <pc:sldMk cId="2905886471" sldId="271"/>
+            <ac:spMk id="2" creationId="{5B534503-40BB-4BD4-AF4B-86F34436DEE0}"/>
+          </ac:spMkLst>
+        </pc:spChg>
+        <pc:spChg chg="del mod">
+          <ac:chgData name="Benjamin Han" userId="4106c88e-5a34-44dd-9a61-7f364347babc" providerId="ADAL" clId="{6F3F1678-49D8-44A3-B47C-4D193BB07411}" dt="2021-08-15T21:20:17.695" v="75" actId="26606"/>
+          <ac:spMkLst>
+            <pc:docMk/>
+            <pc:sldMk cId="2905886471" sldId="271"/>
+            <ac:spMk id="3" creationId="{D6D7B34B-8667-44AA-9241-C3C0798474C3}"/>
+          </ac:spMkLst>
+        </pc:spChg>
+        <pc:spChg chg="add">
+          <ac:chgData name="Benjamin Han" userId="4106c88e-5a34-44dd-9a61-7f364347babc" providerId="ADAL" clId="{6F3F1678-49D8-44A3-B47C-4D193BB07411}" dt="2021-08-15T21:20:17.695" v="75" actId="26606"/>
+          <ac:spMkLst>
+            <pc:docMk/>
+            <pc:sldMk cId="2905886471" sldId="271"/>
+            <ac:spMk id="10" creationId="{CF62D2A7-8207-488C-9F46-316BA81A16C8}"/>
+          </ac:spMkLst>
+        </pc:spChg>
+        <pc:graphicFrameChg chg="add">
+          <ac:chgData name="Benjamin Han" userId="4106c88e-5a34-44dd-9a61-7f364347babc" providerId="ADAL" clId="{6F3F1678-49D8-44A3-B47C-4D193BB07411}" dt="2021-08-15T21:20:17.695" v="75" actId="26606"/>
+          <ac:graphicFrameMkLst>
+            <pc:docMk/>
+            <pc:sldMk cId="2905886471" sldId="271"/>
+            <ac:graphicFrameMk id="5" creationId="{46C5C93D-4226-4DDF-8CC6-DE79C8894E8E}"/>
+          </ac:graphicFrameMkLst>
+        </pc:graphicFrameChg>
+        <pc:picChg chg="add">
+          <ac:chgData name="Benjamin Han" userId="4106c88e-5a34-44dd-9a61-7f364347babc" providerId="ADAL" clId="{6F3F1678-49D8-44A3-B47C-4D193BB07411}" dt="2021-08-15T21:20:17.695" v="75" actId="26606"/>
+          <ac:picMkLst>
+            <pc:docMk/>
+            <pc:sldMk cId="2905886471" sldId="271"/>
+            <ac:picMk id="6" creationId="{CA31B27A-D728-4481-9A98-6D6C0311C1D8}"/>
+          </ac:picMkLst>
+        </pc:picChg>
+      </pc:sldChg>
+    </pc:docChg>
+  </pc:docChgLst>
   <pc:docChgLst>
     <pc:chgData name="Benjamin Han" userId="4106c88e-5a34-44dd-9a61-7f364347babc" providerId="ADAL" clId="{65C63E2E-5F89-4BB3-AE73-A4B627DCF7AA}"/>
     <pc:docChg chg="modSld">
@@ -138,7 +209,2842 @@
       </pc:sldChg>
     </pc:docChg>
   </pc:docChgLst>
+  <pc:docChgLst>
+    <pc:chgData name="Benjamin Han" userId="4106c88e-5a34-44dd-9a61-7f364347babc" providerId="ADAL" clId="{3E78A74F-F43B-4D8E-96E4-1B5F1CFEF097}"/>
+    <pc:docChg chg="custSel addSld modSld">
+      <pc:chgData name="Benjamin Han" userId="4106c88e-5a34-44dd-9a61-7f364347babc" providerId="ADAL" clId="{3E78A74F-F43B-4D8E-96E4-1B5F1CFEF097}" dt="2021-08-15T19:56:41.462" v="1" actId="26606"/>
+      <pc:docMkLst>
+        <pc:docMk/>
+      </pc:docMkLst>
+      <pc:sldChg chg="addSp add mod">
+        <pc:chgData name="Benjamin Han" userId="4106c88e-5a34-44dd-9a61-7f364347babc" providerId="ADAL" clId="{3E78A74F-F43B-4D8E-96E4-1B5F1CFEF097}" dt="2021-08-15T19:56:41.462" v="1" actId="26606"/>
+        <pc:sldMkLst>
+          <pc:docMk/>
+          <pc:sldMk cId="244983243" sldId="270"/>
+        </pc:sldMkLst>
+        <pc:spChg chg="add">
+          <ac:chgData name="Benjamin Han" userId="4106c88e-5a34-44dd-9a61-7f364347babc" providerId="ADAL" clId="{3E78A74F-F43B-4D8E-96E4-1B5F1CFEF097}" dt="2021-08-15T19:56:41.462" v="1" actId="26606"/>
+          <ac:spMkLst>
+            <pc:docMk/>
+            <pc:sldMk cId="244983243" sldId="270"/>
+            <ac:spMk id="7" creationId="{DA3C47C2-33A2-44B2-BEAB-FEB679075C24}"/>
+          </ac:spMkLst>
+        </pc:spChg>
+        <pc:spChg chg="add">
+          <ac:chgData name="Benjamin Han" userId="4106c88e-5a34-44dd-9a61-7f364347babc" providerId="ADAL" clId="{3E78A74F-F43B-4D8E-96E4-1B5F1CFEF097}" dt="2021-08-15T19:56:41.462" v="1" actId="26606"/>
+          <ac:spMkLst>
+            <pc:docMk/>
+            <pc:sldMk cId="244983243" sldId="270"/>
+            <ac:spMk id="9" creationId="{AD182BA8-54AD-4D9F-8264-B0FA8BB47D7C}"/>
+          </ac:spMkLst>
+        </pc:spChg>
+        <pc:spChg chg="add">
+          <ac:chgData name="Benjamin Han" userId="4106c88e-5a34-44dd-9a61-7f364347babc" providerId="ADAL" clId="{3E78A74F-F43B-4D8E-96E4-1B5F1CFEF097}" dt="2021-08-15T19:56:41.462" v="1" actId="26606"/>
+          <ac:spMkLst>
+            <pc:docMk/>
+            <pc:sldMk cId="244983243" sldId="270"/>
+            <ac:spMk id="11" creationId="{4ED83379-0499-45E1-AB78-6AA230F96442}"/>
+          </ac:spMkLst>
+        </pc:spChg>
+      </pc:sldChg>
+    </pc:docChg>
+  </pc:docChgLst>
 </pc:chgInfo>
+</file>
+
+<file path=ppt/diagrams/colors1.xml><?xml version="1.0" encoding="utf-8"?>
+<dgm:colorsDef xmlns:dgm="http://schemas.openxmlformats.org/drawingml/2006/diagram" xmlns:a="http://schemas.openxmlformats.org/drawingml/2006/main" uniqueId="urn:microsoft.com/office/officeart/2018/5/colors/Iconchunking_neutralbg_colorful1">
+  <dgm:title val=""/>
+  <dgm:desc val=""/>
+  <dgm:catLst>
+    <dgm:cat type="colorful" pri="10100"/>
+  </dgm:catLst>
+  <dgm:styleLbl name="node0">
+    <dgm:fillClrLst meth="repeat">
+      <a:schemeClr val="accent1"/>
+    </dgm:fillClrLst>
+    <dgm:linClrLst meth="repeat">
+      <a:schemeClr val="lt1"/>
+    </dgm:linClrLst>
+    <dgm:effectClrLst/>
+    <dgm:txLinClrLst/>
+    <dgm:txFillClrLst/>
+    <dgm:txEffectClrLst/>
+  </dgm:styleLbl>
+  <dgm:styleLbl name="node1">
+    <dgm:fillClrLst meth="repeat">
+      <a:schemeClr val="accent2"/>
+      <a:schemeClr val="accent3"/>
+      <a:schemeClr val="accent4"/>
+      <a:schemeClr val="accent5"/>
+      <a:schemeClr val="accent6"/>
+    </dgm:fillClrLst>
+    <dgm:linClrLst meth="repeat">
+      <a:schemeClr val="lt1">
+        <a:alpha val="0"/>
+      </a:schemeClr>
+    </dgm:linClrLst>
+    <dgm:effectClrLst/>
+    <dgm:txLinClrLst/>
+    <dgm:txFillClrLst/>
+    <dgm:txEffectClrLst/>
+  </dgm:styleLbl>
+  <dgm:styleLbl name="alignNode1">
+    <dgm:fillClrLst meth="repeat">
+      <a:schemeClr val="accent2"/>
+      <a:schemeClr val="accent3"/>
+      <a:schemeClr val="accent4"/>
+      <a:schemeClr val="accent5"/>
+      <a:schemeClr val="accent6"/>
+    </dgm:fillClrLst>
+    <dgm:linClrLst meth="repeat">
+      <a:schemeClr val="accent2"/>
+      <a:schemeClr val="accent3"/>
+      <a:schemeClr val="accent4"/>
+      <a:schemeClr val="accent5"/>
+      <a:schemeClr val="accent6"/>
+    </dgm:linClrLst>
+    <dgm:effectClrLst/>
+    <dgm:txLinClrLst/>
+    <dgm:txFillClrLst/>
+    <dgm:txEffectClrLst/>
+  </dgm:styleLbl>
+  <dgm:styleLbl name="lnNode1">
+    <dgm:fillClrLst meth="repeat">
+      <a:schemeClr val="accent2"/>
+      <a:schemeClr val="accent3"/>
+      <a:schemeClr val="accent4"/>
+      <a:schemeClr val="accent5"/>
+      <a:schemeClr val="accent6"/>
+    </dgm:fillClrLst>
+    <dgm:linClrLst meth="repeat">
+      <a:schemeClr val="lt1"/>
+    </dgm:linClrLst>
+    <dgm:effectClrLst/>
+    <dgm:txLinClrLst/>
+    <dgm:txFillClrLst/>
+    <dgm:txEffectClrLst/>
+  </dgm:styleLbl>
+  <dgm:styleLbl name="vennNode1">
+    <dgm:fillClrLst meth="repeat">
+      <a:schemeClr val="accent2">
+        <a:alpha val="50000"/>
+      </a:schemeClr>
+      <a:schemeClr val="accent3">
+        <a:alpha val="50000"/>
+      </a:schemeClr>
+      <a:schemeClr val="accent4">
+        <a:alpha val="50000"/>
+      </a:schemeClr>
+      <a:schemeClr val="accent5">
+        <a:alpha val="50000"/>
+      </a:schemeClr>
+      <a:schemeClr val="accent6">
+        <a:alpha val="50000"/>
+      </a:schemeClr>
+    </dgm:fillClrLst>
+    <dgm:linClrLst meth="repeat">
+      <a:schemeClr val="lt1"/>
+    </dgm:linClrLst>
+    <dgm:effectClrLst/>
+    <dgm:txLinClrLst/>
+    <dgm:txFillClrLst/>
+    <dgm:txEffectClrLst/>
+  </dgm:styleLbl>
+  <dgm:styleLbl name="node2">
+    <dgm:fillClrLst>
+      <a:schemeClr val="accent2"/>
+    </dgm:fillClrLst>
+    <dgm:linClrLst meth="repeat">
+      <a:schemeClr val="lt1"/>
+    </dgm:linClrLst>
+    <dgm:effectClrLst/>
+    <dgm:txLinClrLst/>
+    <dgm:txFillClrLst/>
+    <dgm:txEffectClrLst/>
+  </dgm:styleLbl>
+  <dgm:styleLbl name="node3">
+    <dgm:fillClrLst>
+      <a:schemeClr val="accent3"/>
+    </dgm:fillClrLst>
+    <dgm:linClrLst meth="repeat">
+      <a:schemeClr val="lt1"/>
+    </dgm:linClrLst>
+    <dgm:effectClrLst/>
+    <dgm:txLinClrLst/>
+    <dgm:txFillClrLst/>
+    <dgm:txEffectClrLst/>
+  </dgm:styleLbl>
+  <dgm:styleLbl name="node4">
+    <dgm:fillClrLst>
+      <a:schemeClr val="accent4"/>
+    </dgm:fillClrLst>
+    <dgm:linClrLst meth="repeat">
+      <a:schemeClr val="lt1"/>
+    </dgm:linClrLst>
+    <dgm:effectClrLst/>
+    <dgm:txLinClrLst/>
+    <dgm:txFillClrLst/>
+    <dgm:txEffectClrLst/>
+  </dgm:styleLbl>
+  <dgm:styleLbl name="fgImgPlace1">
+    <dgm:fillClrLst meth="repeat">
+      <a:schemeClr val="accent2">
+        <a:tint val="50000"/>
+      </a:schemeClr>
+      <a:schemeClr val="accent3">
+        <a:tint val="50000"/>
+      </a:schemeClr>
+      <a:schemeClr val="accent4">
+        <a:tint val="50000"/>
+      </a:schemeClr>
+      <a:schemeClr val="accent5">
+        <a:tint val="50000"/>
+      </a:schemeClr>
+      <a:schemeClr val="accent6">
+        <a:tint val="50000"/>
+      </a:schemeClr>
+    </dgm:fillClrLst>
+    <dgm:linClrLst meth="repeat">
+      <a:schemeClr val="lt1"/>
+    </dgm:linClrLst>
+    <dgm:effectClrLst/>
+    <dgm:txLinClrLst/>
+    <dgm:txFillClrLst meth="repeat">
+      <a:schemeClr val="lt1"/>
+    </dgm:txFillClrLst>
+    <dgm:txEffectClrLst/>
+  </dgm:styleLbl>
+  <dgm:styleLbl name="alignImgPlace1">
+    <dgm:fillClrLst>
+      <a:schemeClr val="accent1">
+        <a:tint val="50000"/>
+      </a:schemeClr>
+      <a:schemeClr val="accent2">
+        <a:tint val="20000"/>
+      </a:schemeClr>
+    </dgm:fillClrLst>
+    <dgm:linClrLst meth="repeat">
+      <a:schemeClr val="lt1"/>
+    </dgm:linClrLst>
+    <dgm:effectClrLst/>
+    <dgm:txLinClrLst/>
+    <dgm:txFillClrLst meth="repeat">
+      <a:schemeClr val="lt1"/>
+    </dgm:txFillClrLst>
+    <dgm:txEffectClrLst/>
+  </dgm:styleLbl>
+  <dgm:styleLbl name="bgImgPlace1">
+    <dgm:fillClrLst>
+      <a:schemeClr val="accent1">
+        <a:tint val="50000"/>
+      </a:schemeClr>
+      <a:schemeClr val="accent2">
+        <a:tint val="20000"/>
+      </a:schemeClr>
+    </dgm:fillClrLst>
+    <dgm:linClrLst meth="repeat">
+      <a:schemeClr val="lt1"/>
+    </dgm:linClrLst>
+    <dgm:effectClrLst/>
+    <dgm:txLinClrLst/>
+    <dgm:txFillClrLst meth="repeat">
+      <a:schemeClr val="lt1"/>
+    </dgm:txFillClrLst>
+    <dgm:txEffectClrLst/>
+  </dgm:styleLbl>
+  <dgm:styleLbl name="sibTrans2D1">
+    <dgm:fillClrLst meth="repeat">
+      <a:schemeClr val="accent2"/>
+      <a:schemeClr val="accent3"/>
+      <a:schemeClr val="accent4"/>
+      <a:schemeClr val="accent5"/>
+      <a:schemeClr val="accent6"/>
+    </dgm:fillClrLst>
+    <dgm:linClrLst meth="cycle">
+      <a:schemeClr val="lt1"/>
+    </dgm:linClrLst>
+    <dgm:effectClrLst/>
+    <dgm:txLinClrLst/>
+    <dgm:txFillClrLst/>
+    <dgm:txEffectClrLst/>
+  </dgm:styleLbl>
+  <dgm:styleLbl name="fgSibTrans2D1">
+    <dgm:fillClrLst meth="repeat">
+      <a:schemeClr val="accent2"/>
+      <a:schemeClr val="accent3"/>
+      <a:schemeClr val="accent4"/>
+      <a:schemeClr val="accent5"/>
+      <a:schemeClr val="accent6"/>
+    </dgm:fillClrLst>
+    <dgm:linClrLst meth="cycle">
+      <a:schemeClr val="lt1"/>
+    </dgm:linClrLst>
+    <dgm:effectClrLst/>
+    <dgm:txLinClrLst/>
+    <dgm:txFillClrLst meth="repeat">
+      <a:schemeClr val="lt1"/>
+    </dgm:txFillClrLst>
+    <dgm:txEffectClrLst/>
+  </dgm:styleLbl>
+  <dgm:styleLbl name="bgSibTrans2D1">
+    <dgm:fillClrLst meth="repeat">
+      <a:schemeClr val="accent2"/>
+      <a:schemeClr val="accent3"/>
+      <a:schemeClr val="accent4"/>
+      <a:schemeClr val="accent5"/>
+      <a:schemeClr val="accent6"/>
+    </dgm:fillClrLst>
+    <dgm:linClrLst meth="cycle">
+      <a:schemeClr val="lt1"/>
+    </dgm:linClrLst>
+    <dgm:effectClrLst/>
+    <dgm:txLinClrLst/>
+    <dgm:txFillClrLst meth="repeat">
+      <a:schemeClr val="lt1"/>
+    </dgm:txFillClrLst>
+    <dgm:txEffectClrLst/>
+  </dgm:styleLbl>
+  <dgm:styleLbl name="sibTrans1D1">
+    <dgm:fillClrLst meth="repeat">
+      <a:schemeClr val="accent2"/>
+      <a:schemeClr val="accent3"/>
+      <a:schemeClr val="accent4"/>
+      <a:schemeClr val="accent5"/>
+      <a:schemeClr val="accent6"/>
+    </dgm:fillClrLst>
+    <dgm:linClrLst meth="repeat">
+      <a:schemeClr val="accent2"/>
+      <a:schemeClr val="accent3"/>
+      <a:schemeClr val="accent4"/>
+      <a:schemeClr val="accent5"/>
+      <a:schemeClr val="accent6"/>
+    </dgm:linClrLst>
+    <dgm:effectClrLst/>
+    <dgm:txLinClrLst/>
+    <dgm:txFillClrLst meth="repeat">
+      <a:schemeClr val="tx1"/>
+    </dgm:txFillClrLst>
+    <dgm:txEffectClrLst/>
+  </dgm:styleLbl>
+  <dgm:styleLbl name="callout">
+    <dgm:fillClrLst meth="repeat">
+      <a:schemeClr val="accent2"/>
+    </dgm:fillClrLst>
+    <dgm:linClrLst meth="repeat">
+      <a:schemeClr val="accent2">
+        <a:tint val="50000"/>
+      </a:schemeClr>
+    </dgm:linClrLst>
+    <dgm:effectClrLst/>
+    <dgm:txLinClrLst/>
+    <dgm:txFillClrLst meth="repeat">
+      <a:schemeClr val="tx1"/>
+    </dgm:txFillClrLst>
+    <dgm:txEffectClrLst/>
+  </dgm:styleLbl>
+  <dgm:styleLbl name="asst0">
+    <dgm:fillClrLst meth="repeat">
+      <a:schemeClr val="accent1"/>
+    </dgm:fillClrLst>
+    <dgm:linClrLst meth="repeat">
+      <a:schemeClr val="lt1"/>
+    </dgm:linClrLst>
+    <dgm:effectClrLst/>
+    <dgm:txLinClrLst/>
+    <dgm:txFillClrLst/>
+    <dgm:txEffectClrLst/>
+  </dgm:styleLbl>
+  <dgm:styleLbl name="asst1">
+    <dgm:fillClrLst meth="repeat">
+      <a:schemeClr val="accent2"/>
+    </dgm:fillClrLst>
+    <dgm:linClrLst meth="repeat">
+      <a:schemeClr val="lt1"/>
+    </dgm:linClrLst>
+    <dgm:effectClrLst/>
+    <dgm:txLinClrLst/>
+    <dgm:txFillClrLst/>
+    <dgm:txEffectClrLst/>
+  </dgm:styleLbl>
+  <dgm:styleLbl name="asst2">
+    <dgm:fillClrLst>
+      <a:schemeClr val="accent3"/>
+    </dgm:fillClrLst>
+    <dgm:linClrLst meth="repeat">
+      <a:schemeClr val="lt1"/>
+    </dgm:linClrLst>
+    <dgm:effectClrLst/>
+    <dgm:txLinClrLst/>
+    <dgm:txFillClrLst/>
+    <dgm:txEffectClrLst/>
+  </dgm:styleLbl>
+  <dgm:styleLbl name="asst3">
+    <dgm:fillClrLst>
+      <a:schemeClr val="accent4"/>
+    </dgm:fillClrLst>
+    <dgm:linClrLst meth="repeat">
+      <a:schemeClr val="lt1"/>
+    </dgm:linClrLst>
+    <dgm:effectClrLst/>
+    <dgm:txLinClrLst/>
+    <dgm:txFillClrLst/>
+    <dgm:txEffectClrLst/>
+  </dgm:styleLbl>
+  <dgm:styleLbl name="asst4">
+    <dgm:fillClrLst>
+      <a:schemeClr val="accent5"/>
+    </dgm:fillClrLst>
+    <dgm:linClrLst meth="repeat">
+      <a:schemeClr val="lt1"/>
+    </dgm:linClrLst>
+    <dgm:effectClrLst/>
+    <dgm:txLinClrLst/>
+    <dgm:txFillClrLst/>
+    <dgm:txEffectClrLst/>
+  </dgm:styleLbl>
+  <dgm:styleLbl name="parChTrans2D1">
+    <dgm:fillClrLst meth="repeat">
+      <a:schemeClr val="accent2"/>
+    </dgm:fillClrLst>
+    <dgm:linClrLst meth="repeat">
+      <a:schemeClr val="lt1"/>
+    </dgm:linClrLst>
+    <dgm:effectClrLst/>
+    <dgm:txLinClrLst/>
+    <dgm:txFillClrLst meth="repeat">
+      <a:schemeClr val="lt1"/>
+    </dgm:txFillClrLst>
+    <dgm:txEffectClrLst/>
+  </dgm:styleLbl>
+  <dgm:styleLbl name="parChTrans2D2">
+    <dgm:fillClrLst meth="repeat">
+      <a:schemeClr val="accent3"/>
+    </dgm:fillClrLst>
+    <dgm:linClrLst meth="repeat">
+      <a:schemeClr val="lt1"/>
+    </dgm:linClrLst>
+    <dgm:effectClrLst/>
+    <dgm:txLinClrLst/>
+    <dgm:txFillClrLst/>
+    <dgm:txEffectClrLst/>
+  </dgm:styleLbl>
+  <dgm:styleLbl name="parChTrans2D3">
+    <dgm:fillClrLst meth="repeat">
+      <a:schemeClr val="accent4"/>
+    </dgm:fillClrLst>
+    <dgm:linClrLst meth="repeat">
+      <a:schemeClr val="lt1"/>
+    </dgm:linClrLst>
+    <dgm:effectClrLst/>
+    <dgm:txLinClrLst/>
+    <dgm:txFillClrLst/>
+    <dgm:txEffectClrLst/>
+  </dgm:styleLbl>
+  <dgm:styleLbl name="parChTrans2D4">
+    <dgm:fillClrLst meth="repeat">
+      <a:schemeClr val="accent5"/>
+    </dgm:fillClrLst>
+    <dgm:linClrLst meth="repeat">
+      <a:schemeClr val="lt1"/>
+    </dgm:linClrLst>
+    <dgm:effectClrLst/>
+    <dgm:txLinClrLst/>
+    <dgm:txFillClrLst meth="repeat">
+      <a:schemeClr val="lt1"/>
+    </dgm:txFillClrLst>
+    <dgm:txEffectClrLst/>
+  </dgm:styleLbl>
+  <dgm:styleLbl name="parChTrans1D1">
+    <dgm:fillClrLst meth="repeat">
+      <a:schemeClr val="accent2"/>
+    </dgm:fillClrLst>
+    <dgm:linClrLst meth="repeat">
+      <a:schemeClr val="accent1"/>
+    </dgm:linClrLst>
+    <dgm:effectClrLst/>
+    <dgm:txLinClrLst/>
+    <dgm:txFillClrLst meth="repeat">
+      <a:schemeClr val="tx1"/>
+    </dgm:txFillClrLst>
+    <dgm:txEffectClrLst/>
+  </dgm:styleLbl>
+  <dgm:styleLbl name="parChTrans1D2">
+    <dgm:fillClrLst meth="repeat">
+      <a:schemeClr val="accent3">
+        <a:tint val="90000"/>
+      </a:schemeClr>
+    </dgm:fillClrLst>
+    <dgm:linClrLst meth="repeat">
+      <a:schemeClr val="accent2"/>
+    </dgm:linClrLst>
+    <dgm:effectClrLst/>
+    <dgm:txLinClrLst/>
+    <dgm:txFillClrLst meth="repeat">
+      <a:schemeClr val="tx1"/>
+    </dgm:txFillClrLst>
+    <dgm:txEffectClrLst/>
+  </dgm:styleLbl>
+  <dgm:styleLbl name="parChTrans1D3">
+    <dgm:fillClrLst meth="repeat">
+      <a:schemeClr val="accent4">
+        <a:tint val="70000"/>
+      </a:schemeClr>
+    </dgm:fillClrLst>
+    <dgm:linClrLst meth="repeat">
+      <a:schemeClr val="accent3"/>
+    </dgm:linClrLst>
+    <dgm:effectClrLst/>
+    <dgm:txLinClrLst/>
+    <dgm:txFillClrLst meth="repeat">
+      <a:schemeClr val="tx1"/>
+    </dgm:txFillClrLst>
+    <dgm:txEffectClrLst/>
+  </dgm:styleLbl>
+  <dgm:styleLbl name="parChTrans1D4">
+    <dgm:fillClrLst meth="repeat">
+      <a:schemeClr val="accent5">
+        <a:tint val="50000"/>
+      </a:schemeClr>
+    </dgm:fillClrLst>
+    <dgm:linClrLst meth="repeat">
+      <a:schemeClr val="accent4"/>
+    </dgm:linClrLst>
+    <dgm:effectClrLst/>
+    <dgm:txLinClrLst/>
+    <dgm:txFillClrLst meth="repeat">
+      <a:schemeClr val="tx1"/>
+    </dgm:txFillClrLst>
+    <dgm:txEffectClrLst/>
+  </dgm:styleLbl>
+  <dgm:styleLbl name="fgAcc1">
+    <dgm:fillClrLst meth="repeat">
+      <a:schemeClr val="lt1">
+        <a:alpha val="90000"/>
+      </a:schemeClr>
+    </dgm:fillClrLst>
+    <dgm:linClrLst meth="repeat">
+      <a:schemeClr val="accent2"/>
+      <a:schemeClr val="accent3"/>
+      <a:schemeClr val="accent4"/>
+      <a:schemeClr val="accent5"/>
+      <a:schemeClr val="accent6"/>
+    </dgm:linClrLst>
+    <dgm:effectClrLst/>
+    <dgm:txLinClrLst/>
+    <dgm:txFillClrLst meth="repeat">
+      <a:schemeClr val="dk1"/>
+    </dgm:txFillClrLst>
+    <dgm:txEffectClrLst/>
+  </dgm:styleLbl>
+  <dgm:styleLbl name="conFgAcc1">
+    <dgm:fillClrLst meth="repeat">
+      <a:schemeClr val="lt1">
+        <a:alpha val="90000"/>
+      </a:schemeClr>
+    </dgm:fillClrLst>
+    <dgm:linClrLst meth="repeat">
+      <a:schemeClr val="accent2"/>
+      <a:schemeClr val="accent3"/>
+      <a:schemeClr val="accent4"/>
+      <a:schemeClr val="accent5"/>
+      <a:schemeClr val="accent6"/>
+    </dgm:linClrLst>
+    <dgm:effectClrLst/>
+    <dgm:txLinClrLst/>
+    <dgm:txFillClrLst meth="repeat">
+      <a:schemeClr val="dk1"/>
+    </dgm:txFillClrLst>
+    <dgm:txEffectClrLst/>
+  </dgm:styleLbl>
+  <dgm:styleLbl name="alignAcc1">
+    <dgm:fillClrLst meth="repeat">
+      <a:schemeClr val="lt1">
+        <a:alpha val="90000"/>
+      </a:schemeClr>
+    </dgm:fillClrLst>
+    <dgm:linClrLst meth="repeat">
+      <a:schemeClr val="accent2"/>
+      <a:schemeClr val="accent3"/>
+      <a:schemeClr val="accent4"/>
+      <a:schemeClr val="accent5"/>
+      <a:schemeClr val="accent6"/>
+    </dgm:linClrLst>
+    <dgm:effectClrLst/>
+    <dgm:txLinClrLst/>
+    <dgm:txFillClrLst meth="repeat">
+      <a:schemeClr val="dk1"/>
+    </dgm:txFillClrLst>
+    <dgm:txEffectClrLst/>
+  </dgm:styleLbl>
+  <dgm:styleLbl name="trAlignAcc1">
+    <dgm:fillClrLst meth="repeat">
+      <a:schemeClr val="lt1">
+        <a:alpha val="40000"/>
+      </a:schemeClr>
+    </dgm:fillClrLst>
+    <dgm:linClrLst meth="repeat">
+      <a:schemeClr val="accent1"/>
+    </dgm:linClrLst>
+    <dgm:effectClrLst/>
+    <dgm:txLinClrLst/>
+    <dgm:txFillClrLst meth="repeat">
+      <a:schemeClr val="dk1"/>
+    </dgm:txFillClrLst>
+    <dgm:txEffectClrLst/>
+  </dgm:styleLbl>
+  <dgm:styleLbl name="bgAcc1">
+    <dgm:fillClrLst meth="repeat">
+      <a:schemeClr val="lt1">
+        <a:alpha val="90000"/>
+      </a:schemeClr>
+    </dgm:fillClrLst>
+    <dgm:linClrLst meth="repeat">
+      <a:schemeClr val="accent2"/>
+      <a:schemeClr val="accent3"/>
+      <a:schemeClr val="accent4"/>
+      <a:schemeClr val="accent5"/>
+      <a:schemeClr val="accent6"/>
+    </dgm:linClrLst>
+    <dgm:effectClrLst/>
+    <dgm:txLinClrLst/>
+    <dgm:txFillClrLst meth="repeat">
+      <a:schemeClr val="dk1"/>
+    </dgm:txFillClrLst>
+    <dgm:txEffectClrLst/>
+  </dgm:styleLbl>
+  <dgm:styleLbl name="solidFgAcc1">
+    <dgm:fillClrLst meth="repeat">
+      <a:schemeClr val="lt1"/>
+    </dgm:fillClrLst>
+    <dgm:linClrLst meth="repeat">
+      <a:schemeClr val="accent2"/>
+      <a:schemeClr val="accent3"/>
+      <a:schemeClr val="accent4"/>
+      <a:schemeClr val="accent5"/>
+      <a:schemeClr val="accent6"/>
+    </dgm:linClrLst>
+    <dgm:effectClrLst/>
+    <dgm:txLinClrLst/>
+    <dgm:txFillClrLst meth="repeat">
+      <a:schemeClr val="dk1"/>
+    </dgm:txFillClrLst>
+    <dgm:txEffectClrLst/>
+  </dgm:styleLbl>
+  <dgm:styleLbl name="solidAlignAcc1">
+    <dgm:fillClrLst meth="repeat">
+      <a:schemeClr val="lt1"/>
+    </dgm:fillClrLst>
+    <dgm:linClrLst meth="repeat">
+      <a:schemeClr val="accent2"/>
+      <a:schemeClr val="accent3"/>
+      <a:schemeClr val="accent4"/>
+      <a:schemeClr val="accent5"/>
+      <a:schemeClr val="accent6"/>
+    </dgm:linClrLst>
+    <dgm:effectClrLst/>
+    <dgm:txLinClrLst/>
+    <dgm:txFillClrLst meth="repeat">
+      <a:schemeClr val="dk1"/>
+    </dgm:txFillClrLst>
+    <dgm:txEffectClrLst/>
+  </dgm:styleLbl>
+  <dgm:styleLbl name="solidBgAcc1">
+    <dgm:fillClrLst meth="repeat">
+      <a:schemeClr val="lt1"/>
+    </dgm:fillClrLst>
+    <dgm:linClrLst meth="repeat">
+      <a:schemeClr val="accent2"/>
+      <a:schemeClr val="accent3"/>
+      <a:schemeClr val="accent4"/>
+      <a:schemeClr val="accent5"/>
+      <a:schemeClr val="accent6"/>
+    </dgm:linClrLst>
+    <dgm:effectClrLst/>
+    <dgm:txLinClrLst/>
+    <dgm:txFillClrLst meth="repeat">
+      <a:schemeClr val="dk1"/>
+    </dgm:txFillClrLst>
+    <dgm:txEffectClrLst/>
+  </dgm:styleLbl>
+  <dgm:styleLbl name="fgAccFollowNode1">
+    <dgm:fillClrLst meth="repeat">
+      <a:schemeClr val="accent2">
+        <a:tint val="40000"/>
+        <a:alpha val="90000"/>
+      </a:schemeClr>
+      <a:schemeClr val="accent3">
+        <a:tint val="40000"/>
+        <a:alpha val="90000"/>
+      </a:schemeClr>
+      <a:schemeClr val="accent4">
+        <a:tint val="40000"/>
+        <a:alpha val="90000"/>
+      </a:schemeClr>
+      <a:schemeClr val="accent5">
+        <a:tint val="40000"/>
+        <a:alpha val="90000"/>
+      </a:schemeClr>
+      <a:schemeClr val="accent6">
+        <a:tint val="40000"/>
+        <a:alpha val="90000"/>
+      </a:schemeClr>
+    </dgm:fillClrLst>
+    <dgm:linClrLst meth="repeat">
+      <a:schemeClr val="accent2">
+        <a:tint val="40000"/>
+        <a:alpha val="90000"/>
+      </a:schemeClr>
+      <a:schemeClr val="accent3">
+        <a:tint val="40000"/>
+        <a:alpha val="90000"/>
+      </a:schemeClr>
+      <a:schemeClr val="accent4">
+        <a:tint val="40000"/>
+        <a:alpha val="90000"/>
+      </a:schemeClr>
+      <a:schemeClr val="accent5">
+        <a:tint val="40000"/>
+        <a:alpha val="90000"/>
+      </a:schemeClr>
+      <a:schemeClr val="accent6">
+        <a:tint val="40000"/>
+        <a:alpha val="90000"/>
+      </a:schemeClr>
+    </dgm:linClrLst>
+    <dgm:effectClrLst/>
+    <dgm:txLinClrLst/>
+    <dgm:txFillClrLst meth="repeat">
+      <a:schemeClr val="dk1"/>
+    </dgm:txFillClrLst>
+    <dgm:txEffectClrLst/>
+  </dgm:styleLbl>
+  <dgm:styleLbl name="alignAccFollowNode1">
+    <dgm:fillClrLst meth="repeat">
+      <a:schemeClr val="accent2">
+        <a:tint val="40000"/>
+        <a:alpha val="90000"/>
+      </a:schemeClr>
+      <a:schemeClr val="accent3">
+        <a:tint val="40000"/>
+        <a:alpha val="90000"/>
+      </a:schemeClr>
+      <a:schemeClr val="accent4">
+        <a:tint val="40000"/>
+        <a:alpha val="90000"/>
+      </a:schemeClr>
+      <a:schemeClr val="accent5">
+        <a:tint val="40000"/>
+        <a:alpha val="90000"/>
+      </a:schemeClr>
+      <a:schemeClr val="accent6">
+        <a:tint val="40000"/>
+        <a:alpha val="90000"/>
+      </a:schemeClr>
+    </dgm:fillClrLst>
+    <dgm:linClrLst meth="repeat">
+      <a:schemeClr val="accent2">
+        <a:tint val="40000"/>
+        <a:alpha val="90000"/>
+      </a:schemeClr>
+      <a:schemeClr val="accent3">
+        <a:tint val="40000"/>
+        <a:alpha val="90000"/>
+      </a:schemeClr>
+      <a:schemeClr val="accent4">
+        <a:tint val="40000"/>
+        <a:alpha val="90000"/>
+      </a:schemeClr>
+      <a:schemeClr val="accent5">
+        <a:tint val="40000"/>
+        <a:alpha val="90000"/>
+      </a:schemeClr>
+      <a:schemeClr val="accent6">
+        <a:tint val="40000"/>
+        <a:alpha val="90000"/>
+      </a:schemeClr>
+    </dgm:linClrLst>
+    <dgm:effectClrLst/>
+    <dgm:txLinClrLst/>
+    <dgm:txFillClrLst meth="repeat">
+      <a:schemeClr val="dk1"/>
+    </dgm:txFillClrLst>
+    <dgm:txEffectClrLst/>
+  </dgm:styleLbl>
+  <dgm:styleLbl name="bgAccFollowNode1">
+    <dgm:fillClrLst meth="repeat">
+      <a:schemeClr val="accent2">
+        <a:tint val="40000"/>
+        <a:alpha val="90000"/>
+      </a:schemeClr>
+      <a:schemeClr val="accent3">
+        <a:tint val="40000"/>
+        <a:alpha val="90000"/>
+      </a:schemeClr>
+      <a:schemeClr val="accent4">
+        <a:tint val="40000"/>
+        <a:alpha val="90000"/>
+      </a:schemeClr>
+      <a:schemeClr val="accent5">
+        <a:tint val="40000"/>
+        <a:alpha val="90000"/>
+      </a:schemeClr>
+      <a:schemeClr val="accent6">
+        <a:tint val="40000"/>
+        <a:alpha val="90000"/>
+      </a:schemeClr>
+    </dgm:fillClrLst>
+    <dgm:linClrLst meth="repeat">
+      <a:schemeClr val="accent2">
+        <a:tint val="40000"/>
+        <a:alpha val="90000"/>
+      </a:schemeClr>
+      <a:schemeClr val="accent3">
+        <a:tint val="40000"/>
+        <a:alpha val="90000"/>
+      </a:schemeClr>
+      <a:schemeClr val="accent4">
+        <a:tint val="40000"/>
+        <a:alpha val="90000"/>
+      </a:schemeClr>
+      <a:schemeClr val="accent5">
+        <a:tint val="40000"/>
+        <a:alpha val="90000"/>
+      </a:schemeClr>
+      <a:schemeClr val="accent6">
+        <a:tint val="40000"/>
+        <a:alpha val="90000"/>
+      </a:schemeClr>
+    </dgm:linClrLst>
+    <dgm:effectClrLst/>
+    <dgm:txLinClrLst/>
+    <dgm:txFillClrLst meth="repeat">
+      <a:schemeClr val="dk1"/>
+    </dgm:txFillClrLst>
+    <dgm:txEffectClrLst/>
+  </dgm:styleLbl>
+  <dgm:styleLbl name="fgAcc0">
+    <dgm:fillClrLst meth="repeat">
+      <a:schemeClr val="lt1">
+        <a:alpha val="90000"/>
+      </a:schemeClr>
+    </dgm:fillClrLst>
+    <dgm:linClrLst>
+      <a:schemeClr val="accent1"/>
+    </dgm:linClrLst>
+    <dgm:effectClrLst/>
+    <dgm:txLinClrLst/>
+    <dgm:txFillClrLst meth="repeat">
+      <a:schemeClr val="dk1"/>
+    </dgm:txFillClrLst>
+    <dgm:txEffectClrLst/>
+  </dgm:styleLbl>
+  <dgm:styleLbl name="fgAcc2">
+    <dgm:fillClrLst meth="repeat">
+      <a:schemeClr val="lt1">
+        <a:alpha val="90000"/>
+      </a:schemeClr>
+    </dgm:fillClrLst>
+    <dgm:linClrLst>
+      <a:schemeClr val="accent2"/>
+    </dgm:linClrLst>
+    <dgm:effectClrLst/>
+    <dgm:txLinClrLst/>
+    <dgm:txFillClrLst meth="repeat">
+      <a:schemeClr val="dk1"/>
+    </dgm:txFillClrLst>
+    <dgm:txEffectClrLst/>
+  </dgm:styleLbl>
+  <dgm:styleLbl name="fgAcc3">
+    <dgm:fillClrLst meth="repeat">
+      <a:schemeClr val="lt1">
+        <a:alpha val="90000"/>
+      </a:schemeClr>
+    </dgm:fillClrLst>
+    <dgm:linClrLst>
+      <a:schemeClr val="accent3"/>
+    </dgm:linClrLst>
+    <dgm:effectClrLst/>
+    <dgm:txLinClrLst/>
+    <dgm:txFillClrLst meth="repeat">
+      <a:schemeClr val="dk1"/>
+    </dgm:txFillClrLst>
+    <dgm:txEffectClrLst/>
+  </dgm:styleLbl>
+  <dgm:styleLbl name="fgAcc4">
+    <dgm:fillClrLst meth="repeat">
+      <a:schemeClr val="lt1">
+        <a:alpha val="90000"/>
+      </a:schemeClr>
+    </dgm:fillClrLst>
+    <dgm:linClrLst>
+      <a:schemeClr val="accent4"/>
+    </dgm:linClrLst>
+    <dgm:effectClrLst/>
+    <dgm:txLinClrLst/>
+    <dgm:txFillClrLst meth="repeat">
+      <a:schemeClr val="dk1"/>
+    </dgm:txFillClrLst>
+    <dgm:txEffectClrLst/>
+  </dgm:styleLbl>
+  <dgm:styleLbl name="bgShp">
+    <dgm:fillClrLst meth="repeat">
+      <a:schemeClr val="bg1">
+        <a:lumMod val="95000"/>
+      </a:schemeClr>
+    </dgm:fillClrLst>
+    <dgm:linClrLst meth="repeat">
+      <a:schemeClr val="dk1"/>
+    </dgm:linClrLst>
+    <dgm:effectClrLst/>
+    <dgm:txLinClrLst/>
+    <dgm:txFillClrLst meth="repeat">
+      <a:schemeClr val="dk1"/>
+    </dgm:txFillClrLst>
+    <dgm:txEffectClrLst/>
+  </dgm:styleLbl>
+  <dgm:styleLbl name="dkBgShp">
+    <dgm:fillClrLst meth="repeat">
+      <a:schemeClr val="accent2">
+        <a:shade val="90000"/>
+      </a:schemeClr>
+    </dgm:fillClrLst>
+    <dgm:linClrLst meth="repeat">
+      <a:schemeClr val="dk1"/>
+    </dgm:linClrLst>
+    <dgm:effectClrLst/>
+    <dgm:txLinClrLst/>
+    <dgm:txFillClrLst meth="repeat">
+      <a:schemeClr val="lt1"/>
+    </dgm:txFillClrLst>
+    <dgm:txEffectClrLst/>
+  </dgm:styleLbl>
+  <dgm:styleLbl name="trBgShp">
+    <dgm:fillClrLst meth="repeat">
+      <a:schemeClr val="accent1">
+        <a:tint val="50000"/>
+        <a:alpha val="40000"/>
+      </a:schemeClr>
+    </dgm:fillClrLst>
+    <dgm:linClrLst meth="repeat">
+      <a:schemeClr val="accent2"/>
+    </dgm:linClrLst>
+    <dgm:effectClrLst/>
+    <dgm:txLinClrLst/>
+    <dgm:txFillClrLst meth="repeat">
+      <a:schemeClr val="lt1"/>
+    </dgm:txFillClrLst>
+    <dgm:txEffectClrLst/>
+  </dgm:styleLbl>
+  <dgm:styleLbl name="fgShp">
+    <dgm:fillClrLst meth="repeat">
+      <a:schemeClr val="accent2">
+        <a:tint val="40000"/>
+      </a:schemeClr>
+    </dgm:fillClrLst>
+    <dgm:linClrLst meth="repeat">
+      <a:schemeClr val="lt1"/>
+    </dgm:linClrLst>
+    <dgm:effectClrLst/>
+    <dgm:txLinClrLst/>
+    <dgm:txFillClrLst meth="repeat">
+      <a:schemeClr val="dk1"/>
+    </dgm:txFillClrLst>
+    <dgm:txEffectClrLst/>
+  </dgm:styleLbl>
+  <dgm:styleLbl name="revTx">
+    <dgm:fillClrLst meth="repeat">
+      <a:schemeClr val="lt1">
+        <a:alpha val="0"/>
+      </a:schemeClr>
+    </dgm:fillClrLst>
+    <dgm:linClrLst meth="repeat">
+      <a:schemeClr val="dk1">
+        <a:alpha val="0"/>
+      </a:schemeClr>
+    </dgm:linClrLst>
+    <dgm:effectClrLst/>
+    <dgm:txLinClrLst/>
+    <dgm:txFillClrLst meth="repeat">
+      <a:schemeClr val="tx1"/>
+    </dgm:txFillClrLst>
+    <dgm:txEffectClrLst/>
+  </dgm:styleLbl>
+</dgm:colorsDef>
+</file>
+
+<file path=ppt/diagrams/data1.xml><?xml version="1.0" encoding="utf-8"?>
+<dgm:dataModel xmlns:dgm="http://schemas.openxmlformats.org/drawingml/2006/diagram" xmlns:a="http://schemas.openxmlformats.org/drawingml/2006/main">
+  <dgm:ptLst>
+    <dgm:pt modelId="{072E10E9-D058-4A93-9C9E-52C22073DEE3}" type="doc">
+      <dgm:prSet loTypeId="urn:microsoft.com/office/officeart/2018/2/layout/IconLabelList" loCatId="icon" qsTypeId="urn:microsoft.com/office/officeart/2005/8/quickstyle/simple1" qsCatId="simple" csTypeId="urn:microsoft.com/office/officeart/2018/5/colors/Iconchunking_neutralbg_colorful1" csCatId="colorful" phldr="1"/>
+      <dgm:spPr/>
+      <dgm:t>
+        <a:bodyPr/>
+        <a:lstStyle/>
+        <a:p>
+          <a:endParaRPr lang="en-US"/>
+        </a:p>
+      </dgm:t>
+    </dgm:pt>
+    <dgm:pt modelId="{D2500D62-D4BD-4482-AFB5-202CF34EE35E}">
+      <dgm:prSet/>
+      <dgm:spPr/>
+      <dgm:t>
+        <a:bodyPr/>
+        <a:lstStyle/>
+        <a:p>
+          <a:r>
+            <a:rPr lang="en-US"/>
+            <a:t>Modality challenge</a:t>
+          </a:r>
+        </a:p>
+      </dgm:t>
+    </dgm:pt>
+    <dgm:pt modelId="{CCE6F331-052B-4F41-97DE-07FD0C38C7FC}" type="parTrans" cxnId="{4A9E05D5-05E4-42CF-870D-B782E34C2453}">
+      <dgm:prSet/>
+      <dgm:spPr/>
+      <dgm:t>
+        <a:bodyPr/>
+        <a:lstStyle/>
+        <a:p>
+          <a:endParaRPr lang="en-US"/>
+        </a:p>
+      </dgm:t>
+    </dgm:pt>
+    <dgm:pt modelId="{5C30ECA3-E246-4C3F-B83A-CB0CD7245D44}" type="sibTrans" cxnId="{4A9E05D5-05E4-42CF-870D-B782E34C2453}">
+      <dgm:prSet/>
+      <dgm:spPr/>
+      <dgm:t>
+        <a:bodyPr/>
+        <a:lstStyle/>
+        <a:p>
+          <a:endParaRPr lang="en-US"/>
+        </a:p>
+      </dgm:t>
+    </dgm:pt>
+    <dgm:pt modelId="{391D13CE-B831-450A-970F-0F8681BC9F21}">
+      <dgm:prSet/>
+      <dgm:spPr/>
+      <dgm:t>
+        <a:bodyPr/>
+        <a:lstStyle/>
+        <a:p>
+          <a:r>
+            <a:rPr lang="en-US"/>
+            <a:t>Domain challenge</a:t>
+          </a:r>
+        </a:p>
+      </dgm:t>
+    </dgm:pt>
+    <dgm:pt modelId="{D9BA7D68-E17B-4ADF-B45B-F507C1D73DAE}" type="parTrans" cxnId="{D23263FA-A7DA-469F-A3DB-2819BB52C760}">
+      <dgm:prSet/>
+      <dgm:spPr/>
+      <dgm:t>
+        <a:bodyPr/>
+        <a:lstStyle/>
+        <a:p>
+          <a:endParaRPr lang="en-US"/>
+        </a:p>
+      </dgm:t>
+    </dgm:pt>
+    <dgm:pt modelId="{E819C9FF-5F2B-4992-A27D-E59F1F6C360D}" type="sibTrans" cxnId="{D23263FA-A7DA-469F-A3DB-2819BB52C760}">
+      <dgm:prSet/>
+      <dgm:spPr/>
+      <dgm:t>
+        <a:bodyPr/>
+        <a:lstStyle/>
+        <a:p>
+          <a:endParaRPr lang="en-US"/>
+        </a:p>
+      </dgm:t>
+    </dgm:pt>
+    <dgm:pt modelId="{C39101B1-27F5-40F7-BFF3-0639262ADF4D}">
+      <dgm:prSet/>
+      <dgm:spPr/>
+      <dgm:t>
+        <a:bodyPr/>
+        <a:lstStyle/>
+        <a:p>
+          <a:r>
+            <a:rPr lang="en-US"/>
+            <a:t>Data challenge</a:t>
+          </a:r>
+        </a:p>
+      </dgm:t>
+    </dgm:pt>
+    <dgm:pt modelId="{D0109DD4-B4A4-449A-BE10-BDFA5ABF2CC2}" type="parTrans" cxnId="{06AB7758-54DA-4D8A-9E6F-F7706DFED80B}">
+      <dgm:prSet/>
+      <dgm:spPr/>
+      <dgm:t>
+        <a:bodyPr/>
+        <a:lstStyle/>
+        <a:p>
+          <a:endParaRPr lang="en-US"/>
+        </a:p>
+      </dgm:t>
+    </dgm:pt>
+    <dgm:pt modelId="{62682BD2-9F64-4D7E-ABAC-D5C622180ADE}" type="sibTrans" cxnId="{06AB7758-54DA-4D8A-9E6F-F7706DFED80B}">
+      <dgm:prSet/>
+      <dgm:spPr/>
+      <dgm:t>
+        <a:bodyPr/>
+        <a:lstStyle/>
+        <a:p>
+          <a:endParaRPr lang="en-US"/>
+        </a:p>
+      </dgm:t>
+    </dgm:pt>
+    <dgm:pt modelId="{5CC9F5D8-3094-4672-88BE-D8C654794F1D}" type="pres">
+      <dgm:prSet presAssocID="{072E10E9-D058-4A93-9C9E-52C22073DEE3}" presName="root" presStyleCnt="0">
+        <dgm:presLayoutVars>
+          <dgm:dir/>
+          <dgm:resizeHandles val="exact"/>
+        </dgm:presLayoutVars>
+      </dgm:prSet>
+      <dgm:spPr/>
+    </dgm:pt>
+    <dgm:pt modelId="{1EEE86CB-4501-4247-9CE4-4279F7990798}" type="pres">
+      <dgm:prSet presAssocID="{D2500D62-D4BD-4482-AFB5-202CF34EE35E}" presName="compNode" presStyleCnt="0"/>
+      <dgm:spPr/>
+    </dgm:pt>
+    <dgm:pt modelId="{ECF69156-8D5B-4C24-A531-6D7CF62D0413}" type="pres">
+      <dgm:prSet presAssocID="{D2500D62-D4BD-4482-AFB5-202CF34EE35E}" presName="iconRect" presStyleLbl="node1" presStyleIdx="0" presStyleCnt="3"/>
+      <dgm:spPr>
+        <a:blipFill>
+          <a:blip xmlns:r="http://schemas.openxmlformats.org/officeDocument/2006/relationships" r:embed="rId1">
+            <a:extLst>
+              <a:ext uri="{28A0092B-C50C-407E-A947-70E740481C1C}">
+                <a14:useLocalDpi xmlns:a14="http://schemas.microsoft.com/office/drawing/2010/main" val="0"/>
+              </a:ext>
+              <a:ext uri="{96DAC541-7B7A-43D3-8B79-37D633B846F1}">
+                <asvg:svgBlip xmlns:asvg="http://schemas.microsoft.com/office/drawing/2016/SVG/main" r:embed="rId2"/>
+              </a:ext>
+            </a:extLst>
+          </a:blip>
+          <a:stretch>
+            <a:fillRect/>
+          </a:stretch>
+        </a:blipFill>
+        <a:ln>
+          <a:noFill/>
+        </a:ln>
+      </dgm:spPr>
+      <dgm:extLst>
+        <a:ext uri="{E40237B7-FDA0-4F09-8148-C483321AD2D9}">
+          <dgm14:cNvPr xmlns:dgm14="http://schemas.microsoft.com/office/drawing/2010/diagram" id="0" name="" descr="Checkmark"/>
+        </a:ext>
+      </dgm:extLst>
+    </dgm:pt>
+    <dgm:pt modelId="{3F9365E5-33C8-4C4D-AC0C-3410D8CAF369}" type="pres">
+      <dgm:prSet presAssocID="{D2500D62-D4BD-4482-AFB5-202CF34EE35E}" presName="spaceRect" presStyleCnt="0"/>
+      <dgm:spPr/>
+    </dgm:pt>
+    <dgm:pt modelId="{65F8A0EE-666D-4DCE-8522-964A4A804B9A}" type="pres">
+      <dgm:prSet presAssocID="{D2500D62-D4BD-4482-AFB5-202CF34EE35E}" presName="textRect" presStyleLbl="revTx" presStyleIdx="0" presStyleCnt="3">
+        <dgm:presLayoutVars>
+          <dgm:chMax val="1"/>
+          <dgm:chPref val="1"/>
+        </dgm:presLayoutVars>
+      </dgm:prSet>
+      <dgm:spPr/>
+    </dgm:pt>
+    <dgm:pt modelId="{F0C4C49B-FEB9-4E29-946B-FA143C1EE6A3}" type="pres">
+      <dgm:prSet presAssocID="{5C30ECA3-E246-4C3F-B83A-CB0CD7245D44}" presName="sibTrans" presStyleCnt="0"/>
+      <dgm:spPr/>
+    </dgm:pt>
+    <dgm:pt modelId="{FC63A572-FFE1-4F47-8A49-B17C3B12179A}" type="pres">
+      <dgm:prSet presAssocID="{391D13CE-B831-450A-970F-0F8681BC9F21}" presName="compNode" presStyleCnt="0"/>
+      <dgm:spPr/>
+    </dgm:pt>
+    <dgm:pt modelId="{AF04E5B9-68CE-49D3-A1AD-11C1E4083223}" type="pres">
+      <dgm:prSet presAssocID="{391D13CE-B831-450A-970F-0F8681BC9F21}" presName="iconRect" presStyleLbl="node1" presStyleIdx="1" presStyleCnt="3"/>
+      <dgm:spPr>
+        <a:blipFill>
+          <a:blip xmlns:r="http://schemas.openxmlformats.org/officeDocument/2006/relationships" r:embed="rId3">
+            <a:extLst>
+              <a:ext uri="{28A0092B-C50C-407E-A947-70E740481C1C}">
+                <a14:useLocalDpi xmlns:a14="http://schemas.microsoft.com/office/drawing/2010/main" val="0"/>
+              </a:ext>
+              <a:ext uri="{96DAC541-7B7A-43D3-8B79-37D633B846F1}">
+                <asvg:svgBlip xmlns:asvg="http://schemas.microsoft.com/office/drawing/2016/SVG/main" r:embed="rId4"/>
+              </a:ext>
+            </a:extLst>
+          </a:blip>
+          <a:stretch>
+            <a:fillRect/>
+          </a:stretch>
+        </a:blipFill>
+        <a:ln>
+          <a:noFill/>
+        </a:ln>
+      </dgm:spPr>
+      <dgm:extLst>
+        <a:ext uri="{E40237B7-FDA0-4F09-8148-C483321AD2D9}">
+          <dgm14:cNvPr xmlns:dgm14="http://schemas.microsoft.com/office/drawing/2010/diagram" id="0" name="" descr="Layers(design)"/>
+        </a:ext>
+      </dgm:extLst>
+    </dgm:pt>
+    <dgm:pt modelId="{9209240D-9FF3-4334-8E2D-43752C103766}" type="pres">
+      <dgm:prSet presAssocID="{391D13CE-B831-450A-970F-0F8681BC9F21}" presName="spaceRect" presStyleCnt="0"/>
+      <dgm:spPr/>
+    </dgm:pt>
+    <dgm:pt modelId="{A9A34E6B-505A-4F79-85CB-2DFABEB7607D}" type="pres">
+      <dgm:prSet presAssocID="{391D13CE-B831-450A-970F-0F8681BC9F21}" presName="textRect" presStyleLbl="revTx" presStyleIdx="1" presStyleCnt="3">
+        <dgm:presLayoutVars>
+          <dgm:chMax val="1"/>
+          <dgm:chPref val="1"/>
+        </dgm:presLayoutVars>
+      </dgm:prSet>
+      <dgm:spPr/>
+    </dgm:pt>
+    <dgm:pt modelId="{F92E8AB2-FB6F-45A3-8031-14DDD950B425}" type="pres">
+      <dgm:prSet presAssocID="{E819C9FF-5F2B-4992-A27D-E59F1F6C360D}" presName="sibTrans" presStyleCnt="0"/>
+      <dgm:spPr/>
+    </dgm:pt>
+    <dgm:pt modelId="{5A716DE5-D792-43CA-8C6D-0D34572B8727}" type="pres">
+      <dgm:prSet presAssocID="{C39101B1-27F5-40F7-BFF3-0639262ADF4D}" presName="compNode" presStyleCnt="0"/>
+      <dgm:spPr/>
+    </dgm:pt>
+    <dgm:pt modelId="{893A5AD5-386D-40C6-BE8A-6BB25ABE5E27}" type="pres">
+      <dgm:prSet presAssocID="{C39101B1-27F5-40F7-BFF3-0639262ADF4D}" presName="iconRect" presStyleLbl="node1" presStyleIdx="2" presStyleCnt="3"/>
+      <dgm:spPr>
+        <a:blipFill>
+          <a:blip xmlns:r="http://schemas.openxmlformats.org/officeDocument/2006/relationships" r:embed="rId5">
+            <a:extLst>
+              <a:ext uri="{28A0092B-C50C-407E-A947-70E740481C1C}">
+                <a14:useLocalDpi xmlns:a14="http://schemas.microsoft.com/office/drawing/2010/main" val="0"/>
+              </a:ext>
+              <a:ext uri="{96DAC541-7B7A-43D3-8B79-37D633B846F1}">
+                <asvg:svgBlip xmlns:asvg="http://schemas.microsoft.com/office/drawing/2016/SVG/main" r:embed="rId6"/>
+              </a:ext>
+            </a:extLst>
+          </a:blip>
+          <a:stretch>
+            <a:fillRect/>
+          </a:stretch>
+        </a:blipFill>
+        <a:ln>
+          <a:noFill/>
+        </a:ln>
+      </dgm:spPr>
+      <dgm:extLst>
+        <a:ext uri="{E40237B7-FDA0-4F09-8148-C483321AD2D9}">
+          <dgm14:cNvPr xmlns:dgm14="http://schemas.microsoft.com/office/drawing/2010/diagram" id="0" name="" descr="Bar chart"/>
+        </a:ext>
+      </dgm:extLst>
+    </dgm:pt>
+    <dgm:pt modelId="{B92075C1-79A5-4274-BFF0-9BACCBED8593}" type="pres">
+      <dgm:prSet presAssocID="{C39101B1-27F5-40F7-BFF3-0639262ADF4D}" presName="spaceRect" presStyleCnt="0"/>
+      <dgm:spPr/>
+    </dgm:pt>
+    <dgm:pt modelId="{7202DC89-9161-465A-BB4C-8DC83BB5E449}" type="pres">
+      <dgm:prSet presAssocID="{C39101B1-27F5-40F7-BFF3-0639262ADF4D}" presName="textRect" presStyleLbl="revTx" presStyleIdx="2" presStyleCnt="3">
+        <dgm:presLayoutVars>
+          <dgm:chMax val="1"/>
+          <dgm:chPref val="1"/>
+        </dgm:presLayoutVars>
+      </dgm:prSet>
+      <dgm:spPr/>
+    </dgm:pt>
+  </dgm:ptLst>
+  <dgm:cxnLst>
+    <dgm:cxn modelId="{749E093C-11C5-44BD-8A52-5FD7ED7C6FA6}" type="presOf" srcId="{072E10E9-D058-4A93-9C9E-52C22073DEE3}" destId="{5CC9F5D8-3094-4672-88BE-D8C654794F1D}" srcOrd="0" destOrd="0" presId="urn:microsoft.com/office/officeart/2018/2/layout/IconLabelList"/>
+    <dgm:cxn modelId="{25D39350-10B6-4AD4-93BF-C5AD5DC2C841}" type="presOf" srcId="{D2500D62-D4BD-4482-AFB5-202CF34EE35E}" destId="{65F8A0EE-666D-4DCE-8522-964A4A804B9A}" srcOrd="0" destOrd="0" presId="urn:microsoft.com/office/officeart/2018/2/layout/IconLabelList"/>
+    <dgm:cxn modelId="{AE7EF170-DEBF-4794-AE5F-6ECEAE01E438}" type="presOf" srcId="{391D13CE-B831-450A-970F-0F8681BC9F21}" destId="{A9A34E6B-505A-4F79-85CB-2DFABEB7607D}" srcOrd="0" destOrd="0" presId="urn:microsoft.com/office/officeart/2018/2/layout/IconLabelList"/>
+    <dgm:cxn modelId="{06AB7758-54DA-4D8A-9E6F-F7706DFED80B}" srcId="{072E10E9-D058-4A93-9C9E-52C22073DEE3}" destId="{C39101B1-27F5-40F7-BFF3-0639262ADF4D}" srcOrd="2" destOrd="0" parTransId="{D0109DD4-B4A4-449A-BE10-BDFA5ABF2CC2}" sibTransId="{62682BD2-9F64-4D7E-ABAC-D5C622180ADE}"/>
+    <dgm:cxn modelId="{4A9E05D5-05E4-42CF-870D-B782E34C2453}" srcId="{072E10E9-D058-4A93-9C9E-52C22073DEE3}" destId="{D2500D62-D4BD-4482-AFB5-202CF34EE35E}" srcOrd="0" destOrd="0" parTransId="{CCE6F331-052B-4F41-97DE-07FD0C38C7FC}" sibTransId="{5C30ECA3-E246-4C3F-B83A-CB0CD7245D44}"/>
+    <dgm:cxn modelId="{D23263FA-A7DA-469F-A3DB-2819BB52C760}" srcId="{072E10E9-D058-4A93-9C9E-52C22073DEE3}" destId="{391D13CE-B831-450A-970F-0F8681BC9F21}" srcOrd="1" destOrd="0" parTransId="{D9BA7D68-E17B-4ADF-B45B-F507C1D73DAE}" sibTransId="{E819C9FF-5F2B-4992-A27D-E59F1F6C360D}"/>
+    <dgm:cxn modelId="{75C8A1FE-6560-47F9-BB35-FB0095986E7C}" type="presOf" srcId="{C39101B1-27F5-40F7-BFF3-0639262ADF4D}" destId="{7202DC89-9161-465A-BB4C-8DC83BB5E449}" srcOrd="0" destOrd="0" presId="urn:microsoft.com/office/officeart/2018/2/layout/IconLabelList"/>
+    <dgm:cxn modelId="{0EDF6C29-E1F9-4A10-AA74-AB1F8F175612}" type="presParOf" srcId="{5CC9F5D8-3094-4672-88BE-D8C654794F1D}" destId="{1EEE86CB-4501-4247-9CE4-4279F7990798}" srcOrd="0" destOrd="0" presId="urn:microsoft.com/office/officeart/2018/2/layout/IconLabelList"/>
+    <dgm:cxn modelId="{62FCAAFE-5593-4203-9530-F573C233097F}" type="presParOf" srcId="{1EEE86CB-4501-4247-9CE4-4279F7990798}" destId="{ECF69156-8D5B-4C24-A531-6D7CF62D0413}" srcOrd="0" destOrd="0" presId="urn:microsoft.com/office/officeart/2018/2/layout/IconLabelList"/>
+    <dgm:cxn modelId="{7C4E0116-8FB9-4EBF-9F4B-46C29C65E129}" type="presParOf" srcId="{1EEE86CB-4501-4247-9CE4-4279F7990798}" destId="{3F9365E5-33C8-4C4D-AC0C-3410D8CAF369}" srcOrd="1" destOrd="0" presId="urn:microsoft.com/office/officeart/2018/2/layout/IconLabelList"/>
+    <dgm:cxn modelId="{47244948-219F-4334-AA8F-F43FE0D397BE}" type="presParOf" srcId="{1EEE86CB-4501-4247-9CE4-4279F7990798}" destId="{65F8A0EE-666D-4DCE-8522-964A4A804B9A}" srcOrd="2" destOrd="0" presId="urn:microsoft.com/office/officeart/2018/2/layout/IconLabelList"/>
+    <dgm:cxn modelId="{CA5544E5-A631-44A7-A3ED-73B8D4A04AA4}" type="presParOf" srcId="{5CC9F5D8-3094-4672-88BE-D8C654794F1D}" destId="{F0C4C49B-FEB9-4E29-946B-FA143C1EE6A3}" srcOrd="1" destOrd="0" presId="urn:microsoft.com/office/officeart/2018/2/layout/IconLabelList"/>
+    <dgm:cxn modelId="{4C10E631-6B85-44F7-BBCB-0A28CED5551A}" type="presParOf" srcId="{5CC9F5D8-3094-4672-88BE-D8C654794F1D}" destId="{FC63A572-FFE1-4F47-8A49-B17C3B12179A}" srcOrd="2" destOrd="0" presId="urn:microsoft.com/office/officeart/2018/2/layout/IconLabelList"/>
+    <dgm:cxn modelId="{F86655EA-3409-49E7-B758-299216EA9A12}" type="presParOf" srcId="{FC63A572-FFE1-4F47-8A49-B17C3B12179A}" destId="{AF04E5B9-68CE-49D3-A1AD-11C1E4083223}" srcOrd="0" destOrd="0" presId="urn:microsoft.com/office/officeart/2018/2/layout/IconLabelList"/>
+    <dgm:cxn modelId="{0F9D99F4-E670-4A5C-930D-E445D60FE82F}" type="presParOf" srcId="{FC63A572-FFE1-4F47-8A49-B17C3B12179A}" destId="{9209240D-9FF3-4334-8E2D-43752C103766}" srcOrd="1" destOrd="0" presId="urn:microsoft.com/office/officeart/2018/2/layout/IconLabelList"/>
+    <dgm:cxn modelId="{56B5220E-F2EC-4B58-A40E-BF18A063AEF5}" type="presParOf" srcId="{FC63A572-FFE1-4F47-8A49-B17C3B12179A}" destId="{A9A34E6B-505A-4F79-85CB-2DFABEB7607D}" srcOrd="2" destOrd="0" presId="urn:microsoft.com/office/officeart/2018/2/layout/IconLabelList"/>
+    <dgm:cxn modelId="{39902900-B74C-4D30-B7E9-BAFBE1757042}" type="presParOf" srcId="{5CC9F5D8-3094-4672-88BE-D8C654794F1D}" destId="{F92E8AB2-FB6F-45A3-8031-14DDD950B425}" srcOrd="3" destOrd="0" presId="urn:microsoft.com/office/officeart/2018/2/layout/IconLabelList"/>
+    <dgm:cxn modelId="{7B6C0C61-8F70-497C-A4B8-9145BEBCCC3E}" type="presParOf" srcId="{5CC9F5D8-3094-4672-88BE-D8C654794F1D}" destId="{5A716DE5-D792-43CA-8C6D-0D34572B8727}" srcOrd="4" destOrd="0" presId="urn:microsoft.com/office/officeart/2018/2/layout/IconLabelList"/>
+    <dgm:cxn modelId="{8BBCFF38-126B-4D8A-A0B3-E23D9D362DE9}" type="presParOf" srcId="{5A716DE5-D792-43CA-8C6D-0D34572B8727}" destId="{893A5AD5-386D-40C6-BE8A-6BB25ABE5E27}" srcOrd="0" destOrd="0" presId="urn:microsoft.com/office/officeart/2018/2/layout/IconLabelList"/>
+    <dgm:cxn modelId="{C97B5514-2047-4028-8426-B7797A360084}" type="presParOf" srcId="{5A716DE5-D792-43CA-8C6D-0D34572B8727}" destId="{B92075C1-79A5-4274-BFF0-9BACCBED8593}" srcOrd="1" destOrd="0" presId="urn:microsoft.com/office/officeart/2018/2/layout/IconLabelList"/>
+    <dgm:cxn modelId="{CF585F48-FE3C-439D-9B26-95394F8350AD}" type="presParOf" srcId="{5A716DE5-D792-43CA-8C6D-0D34572B8727}" destId="{7202DC89-9161-465A-BB4C-8DC83BB5E449}" srcOrd="2" destOrd="0" presId="urn:microsoft.com/office/officeart/2018/2/layout/IconLabelList"/>
+  </dgm:cxnLst>
+  <dgm:bg/>
+  <dgm:whole/>
+  <dgm:extLst>
+    <a:ext uri="http://schemas.microsoft.com/office/drawing/2008/diagram">
+      <dsp:dataModelExt xmlns:dsp="http://schemas.microsoft.com/office/drawing/2008/diagram" relId="rId7" minVer="http://schemas.openxmlformats.org/drawingml/2006/diagram"/>
+    </a:ext>
+  </dgm:extLst>
+</dgm:dataModel>
+</file>
+
+<file path=ppt/diagrams/drawing1.xml><?xml version="1.0" encoding="utf-8"?>
+<dsp:drawing xmlns:dgm="http://schemas.openxmlformats.org/drawingml/2006/diagram" xmlns:dsp="http://schemas.microsoft.com/office/drawing/2008/diagram" xmlns:a="http://schemas.openxmlformats.org/drawingml/2006/main">
+  <dsp:spTree>
+    <dsp:nvGrpSpPr>
+      <dsp:cNvPr id="0" name=""/>
+      <dsp:cNvGrpSpPr/>
+    </dsp:nvGrpSpPr>
+    <dsp:grpSpPr/>
+    <dsp:sp modelId="{ECF69156-8D5B-4C24-A531-6D7CF62D0413}">
+      <dsp:nvSpPr>
+        <dsp:cNvPr id="0" name=""/>
+        <dsp:cNvSpPr/>
+      </dsp:nvSpPr>
+      <dsp:spPr>
+        <a:xfrm>
+          <a:off x="437505" y="895121"/>
+          <a:ext cx="713496" cy="713496"/>
+        </a:xfrm>
+        <a:prstGeom prst="rect">
+          <a:avLst/>
+        </a:prstGeom>
+        <a:blipFill>
+          <a:blip xmlns:r="http://schemas.openxmlformats.org/officeDocument/2006/relationships" r:embed="rId1">
+            <a:extLst>
+              <a:ext uri="{28A0092B-C50C-407E-A947-70E740481C1C}">
+                <a14:useLocalDpi xmlns:a14="http://schemas.microsoft.com/office/drawing/2010/main" val="0"/>
+              </a:ext>
+              <a:ext uri="{96DAC541-7B7A-43D3-8B79-37D633B846F1}">
+                <asvg:svgBlip xmlns:asvg="http://schemas.microsoft.com/office/drawing/2016/SVG/main" r:embed="rId2"/>
+              </a:ext>
+            </a:extLst>
+          </a:blip>
+          <a:stretch>
+            <a:fillRect/>
+          </a:stretch>
+        </a:blipFill>
+        <a:ln w="12700" cap="flat" cmpd="sng" algn="ctr">
+          <a:noFill/>
+          <a:prstDash val="solid"/>
+          <a:miter lim="800000"/>
+        </a:ln>
+        <a:effectLst/>
+      </dsp:spPr>
+      <dsp:style>
+        <a:lnRef idx="2">
+          <a:scrgbClr r="0" g="0" b="0"/>
+        </a:lnRef>
+        <a:fillRef idx="1">
+          <a:scrgbClr r="0" g="0" b="0"/>
+        </a:fillRef>
+        <a:effectRef idx="0">
+          <a:scrgbClr r="0" g="0" b="0"/>
+        </a:effectRef>
+        <a:fontRef idx="minor">
+          <a:schemeClr val="lt1"/>
+        </a:fontRef>
+      </dsp:style>
+    </dsp:sp>
+    <dsp:sp modelId="{65F8A0EE-666D-4DCE-8522-964A4A804B9A}">
+      <dsp:nvSpPr>
+        <dsp:cNvPr id="0" name=""/>
+        <dsp:cNvSpPr/>
+      </dsp:nvSpPr>
+      <dsp:spPr>
+        <a:xfrm>
+          <a:off x="1480" y="1846580"/>
+          <a:ext cx="1585546" cy="634218"/>
+        </a:xfrm>
+        <a:prstGeom prst="rect">
+          <a:avLst/>
+        </a:prstGeom>
+        <a:noFill/>
+        <a:ln>
+          <a:noFill/>
+        </a:ln>
+        <a:effectLst/>
+      </dsp:spPr>
+      <dsp:style>
+        <a:lnRef idx="0">
+          <a:scrgbClr r="0" g="0" b="0"/>
+        </a:lnRef>
+        <a:fillRef idx="0">
+          <a:scrgbClr r="0" g="0" b="0"/>
+        </a:fillRef>
+        <a:effectRef idx="0">
+          <a:scrgbClr r="0" g="0" b="0"/>
+        </a:effectRef>
+        <a:fontRef idx="minor"/>
+      </dsp:style>
+      <dsp:txBody>
+        <a:bodyPr spcFirstLastPara="0" vert="horz" wrap="square" lIns="0" tIns="0" rIns="0" bIns="0" numCol="1" spcCol="1270" anchor="t" anchorCtr="0">
+          <a:noAutofit/>
+        </a:bodyPr>
+        <a:lstStyle/>
+        <a:p>
+          <a:pPr marL="0" lvl="0" indent="0" algn="ctr" defTabSz="977900">
+            <a:lnSpc>
+              <a:spcPct val="90000"/>
+            </a:lnSpc>
+            <a:spcBef>
+              <a:spcPct val="0"/>
+            </a:spcBef>
+            <a:spcAft>
+              <a:spcPct val="35000"/>
+            </a:spcAft>
+            <a:buNone/>
+          </a:pPr>
+          <a:r>
+            <a:rPr lang="en-US" sz="2200" kern="1200"/>
+            <a:t>Modality challenge</a:t>
+          </a:r>
+        </a:p>
+      </dsp:txBody>
+      <dsp:txXfrm>
+        <a:off x="1480" y="1846580"/>
+        <a:ext cx="1585546" cy="634218"/>
+      </dsp:txXfrm>
+    </dsp:sp>
+    <dsp:sp modelId="{AF04E5B9-68CE-49D3-A1AD-11C1E4083223}">
+      <dsp:nvSpPr>
+        <dsp:cNvPr id="0" name=""/>
+        <dsp:cNvSpPr/>
+      </dsp:nvSpPr>
+      <dsp:spPr>
+        <a:xfrm>
+          <a:off x="2300523" y="895121"/>
+          <a:ext cx="713496" cy="713496"/>
+        </a:xfrm>
+        <a:prstGeom prst="rect">
+          <a:avLst/>
+        </a:prstGeom>
+        <a:blipFill>
+          <a:blip xmlns:r="http://schemas.openxmlformats.org/officeDocument/2006/relationships" r:embed="rId3">
+            <a:extLst>
+              <a:ext uri="{28A0092B-C50C-407E-A947-70E740481C1C}">
+                <a14:useLocalDpi xmlns:a14="http://schemas.microsoft.com/office/drawing/2010/main" val="0"/>
+              </a:ext>
+              <a:ext uri="{96DAC541-7B7A-43D3-8B79-37D633B846F1}">
+                <asvg:svgBlip xmlns:asvg="http://schemas.microsoft.com/office/drawing/2016/SVG/main" r:embed="rId4"/>
+              </a:ext>
+            </a:extLst>
+          </a:blip>
+          <a:stretch>
+            <a:fillRect/>
+          </a:stretch>
+        </a:blipFill>
+        <a:ln w="12700" cap="flat" cmpd="sng" algn="ctr">
+          <a:noFill/>
+          <a:prstDash val="solid"/>
+          <a:miter lim="800000"/>
+        </a:ln>
+        <a:effectLst/>
+      </dsp:spPr>
+      <dsp:style>
+        <a:lnRef idx="2">
+          <a:scrgbClr r="0" g="0" b="0"/>
+        </a:lnRef>
+        <a:fillRef idx="1">
+          <a:scrgbClr r="0" g="0" b="0"/>
+        </a:fillRef>
+        <a:effectRef idx="0">
+          <a:scrgbClr r="0" g="0" b="0"/>
+        </a:effectRef>
+        <a:fontRef idx="minor">
+          <a:schemeClr val="lt1"/>
+        </a:fontRef>
+      </dsp:style>
+    </dsp:sp>
+    <dsp:sp modelId="{A9A34E6B-505A-4F79-85CB-2DFABEB7607D}">
+      <dsp:nvSpPr>
+        <dsp:cNvPr id="0" name=""/>
+        <dsp:cNvSpPr/>
+      </dsp:nvSpPr>
+      <dsp:spPr>
+        <a:xfrm>
+          <a:off x="1864498" y="1846580"/>
+          <a:ext cx="1585546" cy="634218"/>
+        </a:xfrm>
+        <a:prstGeom prst="rect">
+          <a:avLst/>
+        </a:prstGeom>
+        <a:noFill/>
+        <a:ln>
+          <a:noFill/>
+        </a:ln>
+        <a:effectLst/>
+      </dsp:spPr>
+      <dsp:style>
+        <a:lnRef idx="0">
+          <a:scrgbClr r="0" g="0" b="0"/>
+        </a:lnRef>
+        <a:fillRef idx="0">
+          <a:scrgbClr r="0" g="0" b="0"/>
+        </a:fillRef>
+        <a:effectRef idx="0">
+          <a:scrgbClr r="0" g="0" b="0"/>
+        </a:effectRef>
+        <a:fontRef idx="minor"/>
+      </dsp:style>
+      <dsp:txBody>
+        <a:bodyPr spcFirstLastPara="0" vert="horz" wrap="square" lIns="0" tIns="0" rIns="0" bIns="0" numCol="1" spcCol="1270" anchor="t" anchorCtr="0">
+          <a:noAutofit/>
+        </a:bodyPr>
+        <a:lstStyle/>
+        <a:p>
+          <a:pPr marL="0" lvl="0" indent="0" algn="ctr" defTabSz="977900">
+            <a:lnSpc>
+              <a:spcPct val="90000"/>
+            </a:lnSpc>
+            <a:spcBef>
+              <a:spcPct val="0"/>
+            </a:spcBef>
+            <a:spcAft>
+              <a:spcPct val="35000"/>
+            </a:spcAft>
+            <a:buNone/>
+          </a:pPr>
+          <a:r>
+            <a:rPr lang="en-US" sz="2200" kern="1200"/>
+            <a:t>Domain challenge</a:t>
+          </a:r>
+        </a:p>
+      </dsp:txBody>
+      <dsp:txXfrm>
+        <a:off x="1864498" y="1846580"/>
+        <a:ext cx="1585546" cy="634218"/>
+      </dsp:txXfrm>
+    </dsp:sp>
+    <dsp:sp modelId="{893A5AD5-386D-40C6-BE8A-6BB25ABE5E27}">
+      <dsp:nvSpPr>
+        <dsp:cNvPr id="0" name=""/>
+        <dsp:cNvSpPr/>
+      </dsp:nvSpPr>
+      <dsp:spPr>
+        <a:xfrm>
+          <a:off x="4163541" y="895121"/>
+          <a:ext cx="713496" cy="713496"/>
+        </a:xfrm>
+        <a:prstGeom prst="rect">
+          <a:avLst/>
+        </a:prstGeom>
+        <a:blipFill>
+          <a:blip xmlns:r="http://schemas.openxmlformats.org/officeDocument/2006/relationships" r:embed="rId5">
+            <a:extLst>
+              <a:ext uri="{28A0092B-C50C-407E-A947-70E740481C1C}">
+                <a14:useLocalDpi xmlns:a14="http://schemas.microsoft.com/office/drawing/2010/main" val="0"/>
+              </a:ext>
+              <a:ext uri="{96DAC541-7B7A-43D3-8B79-37D633B846F1}">
+                <asvg:svgBlip xmlns:asvg="http://schemas.microsoft.com/office/drawing/2016/SVG/main" r:embed="rId6"/>
+              </a:ext>
+            </a:extLst>
+          </a:blip>
+          <a:stretch>
+            <a:fillRect/>
+          </a:stretch>
+        </a:blipFill>
+        <a:ln w="12700" cap="flat" cmpd="sng" algn="ctr">
+          <a:noFill/>
+          <a:prstDash val="solid"/>
+          <a:miter lim="800000"/>
+        </a:ln>
+        <a:effectLst/>
+      </dsp:spPr>
+      <dsp:style>
+        <a:lnRef idx="2">
+          <a:scrgbClr r="0" g="0" b="0"/>
+        </a:lnRef>
+        <a:fillRef idx="1">
+          <a:scrgbClr r="0" g="0" b="0"/>
+        </a:fillRef>
+        <a:effectRef idx="0">
+          <a:scrgbClr r="0" g="0" b="0"/>
+        </a:effectRef>
+        <a:fontRef idx="minor">
+          <a:schemeClr val="lt1"/>
+        </a:fontRef>
+      </dsp:style>
+    </dsp:sp>
+    <dsp:sp modelId="{7202DC89-9161-465A-BB4C-8DC83BB5E449}">
+      <dsp:nvSpPr>
+        <dsp:cNvPr id="0" name=""/>
+        <dsp:cNvSpPr/>
+      </dsp:nvSpPr>
+      <dsp:spPr>
+        <a:xfrm>
+          <a:off x="3727515" y="1846580"/>
+          <a:ext cx="1585546" cy="634218"/>
+        </a:xfrm>
+        <a:prstGeom prst="rect">
+          <a:avLst/>
+        </a:prstGeom>
+        <a:noFill/>
+        <a:ln>
+          <a:noFill/>
+        </a:ln>
+        <a:effectLst/>
+      </dsp:spPr>
+      <dsp:style>
+        <a:lnRef idx="0">
+          <a:scrgbClr r="0" g="0" b="0"/>
+        </a:lnRef>
+        <a:fillRef idx="0">
+          <a:scrgbClr r="0" g="0" b="0"/>
+        </a:fillRef>
+        <a:effectRef idx="0">
+          <a:scrgbClr r="0" g="0" b="0"/>
+        </a:effectRef>
+        <a:fontRef idx="minor"/>
+      </dsp:style>
+      <dsp:txBody>
+        <a:bodyPr spcFirstLastPara="0" vert="horz" wrap="square" lIns="0" tIns="0" rIns="0" bIns="0" numCol="1" spcCol="1270" anchor="t" anchorCtr="0">
+          <a:noAutofit/>
+        </a:bodyPr>
+        <a:lstStyle/>
+        <a:p>
+          <a:pPr marL="0" lvl="0" indent="0" algn="ctr" defTabSz="977900">
+            <a:lnSpc>
+              <a:spcPct val="90000"/>
+            </a:lnSpc>
+            <a:spcBef>
+              <a:spcPct val="0"/>
+            </a:spcBef>
+            <a:spcAft>
+              <a:spcPct val="35000"/>
+            </a:spcAft>
+            <a:buNone/>
+          </a:pPr>
+          <a:r>
+            <a:rPr lang="en-US" sz="2200" kern="1200"/>
+            <a:t>Data challenge</a:t>
+          </a:r>
+        </a:p>
+      </dsp:txBody>
+      <dsp:txXfrm>
+        <a:off x="3727515" y="1846580"/>
+        <a:ext cx="1585546" cy="634218"/>
+      </dsp:txXfrm>
+    </dsp:sp>
+  </dsp:spTree>
+</dsp:drawing>
+</file>
+
+<file path=ppt/diagrams/layout1.xml><?xml version="1.0" encoding="utf-8"?>
+<dgm:layoutDef xmlns:dgm="http://schemas.openxmlformats.org/drawingml/2006/diagram" xmlns:a="http://schemas.openxmlformats.org/drawingml/2006/main" uniqueId="urn:microsoft.com/office/officeart/2018/2/layout/IconLabelList">
+  <dgm:title val="Icon Label List"/>
+  <dgm:desc val="Use to show non-sequential or grouped chunks of information accompanied by a related visuals. Works best with icons or small pictures with short text captions."/>
+  <dgm:catLst>
+    <dgm:cat type="icon" pri="500"/>
+  </dgm:catLst>
+  <dgm:sampData useDef="1">
+    <dgm:dataModel>
+      <dgm:ptLst/>
+      <dgm:bg/>
+      <dgm:whole/>
+    </dgm:dataModel>
+  </dgm:sampData>
+  <dgm:styleData useDef="1">
+    <dgm:dataModel>
+      <dgm:ptLst/>
+      <dgm:bg/>
+      <dgm:whole/>
+    </dgm:dataModel>
+  </dgm:styleData>
+  <dgm:clrData useDef="1">
+    <dgm:dataModel>
+      <dgm:ptLst/>
+      <dgm:bg/>
+      <dgm:whole/>
+    </dgm:dataModel>
+  </dgm:clrData>
+  <dgm:layoutNode name="root">
+    <dgm:varLst>
+      <dgm:dir/>
+      <dgm:resizeHandles val="exact"/>
+    </dgm:varLst>
+    <dgm:choose name="Name0">
+      <dgm:if name="Name1" axis="self" func="var" arg="dir" op="equ" val="norm">
+        <dgm:alg type="snake">
+          <dgm:param type="grDir" val="tL"/>
+          <dgm:param type="flowDir" val="row"/>
+          <dgm:param type="contDir" val="sameDir"/>
+          <dgm:param type="off" val="ctr"/>
+          <dgm:param type="vertAlign" val="mid"/>
+          <dgm:param type="horzAlign" val="ctr"/>
+        </dgm:alg>
+      </dgm:if>
+      <dgm:else name="Name2">
+        <dgm:alg type="snake">
+          <dgm:param type="grDir" val="tR"/>
+          <dgm:param type="flowDir" val="row"/>
+          <dgm:param type="contDir" val="sameDir"/>
+          <dgm:param type="off" val="ctr"/>
+          <dgm:param type="vertAlign" val="mid"/>
+          <dgm:param type="horzAlign" val="ctr"/>
+        </dgm:alg>
+      </dgm:else>
+    </dgm:choose>
+    <dgm:shape xmlns:r="http://schemas.openxmlformats.org/officeDocument/2006/relationships" r:blip="">
+      <dgm:adjLst/>
+    </dgm:shape>
+    <dgm:presOf/>
+    <dgm:choose name="Name3">
+      <dgm:if name="Name4" axis="ch" ptType="node" func="cnt" op="lte" val="2">
+        <dgm:constrLst>
+          <dgm:constr type="h" for="ch" forName="compNode" refType="h" fact="0.4"/>
+          <dgm:constr type="w" for="ch" forName="compNode" val="120"/>
+          <dgm:constr type="w" for="ch" forName="sibTrans" refType="w" refFor="ch" refForName="compNode" fact="0.175"/>
+          <dgm:constr type="sp" refType="w" refFor="ch" refForName="compNode" op="equ" fact="0.25"/>
+          <dgm:constr type="primFontSz" for="des" ptType="node" op="equ" val="50"/>
+          <dgm:constr type="h" for="des" forName="compNode" op="equ"/>
+          <dgm:constr type="h" for="des" forName="textRect" op="equ"/>
+        </dgm:constrLst>
+      </dgm:if>
+      <dgm:if name="Name5" axis="ch" ptType="node" func="cnt" op="lte" val="4">
+        <dgm:constrLst>
+          <dgm:constr type="h" for="ch" forName="compNode" refType="h" fact="0.4"/>
+          <dgm:constr type="w" for="ch" forName="compNode" refType="w"/>
+          <dgm:constr type="w" for="ch" forName="sibTrans" refType="w" refFor="ch" refForName="compNode" fact="0.175"/>
+          <dgm:constr type="sp" refType="w" refFor="ch" refForName="compNode" op="equ" fact="0.25"/>
+          <dgm:constr type="primFontSz" for="des" ptType="node" op="equ" val="36"/>
+          <dgm:constr type="h" for="des" forName="compNode" op="equ"/>
+          <dgm:constr type="h" for="des" forName="textRect" op="equ"/>
+        </dgm:constrLst>
+      </dgm:if>
+      <dgm:else name="Name6">
+        <dgm:constrLst>
+          <dgm:constr type="h" for="ch" forName="compNode" refType="h" fact="0.4"/>
+          <dgm:constr type="w" for="ch" forName="compNode" refType="w"/>
+          <dgm:constr type="w" for="ch" forName="sibTrans" refType="w" refFor="ch" refForName="compNode" fact="0.175"/>
+          <dgm:constr type="sp" refType="w" refFor="ch" refForName="compNode" op="equ" fact="0.25"/>
+          <dgm:constr type="primFontSz" for="des" ptType="node" op="equ" val="24"/>
+          <dgm:constr type="h" for="des" forName="compNode" op="equ"/>
+          <dgm:constr type="h" for="des" forName="textRect" op="equ"/>
+        </dgm:constrLst>
+      </dgm:else>
+    </dgm:choose>
+    <dgm:ruleLst>
+      <dgm:rule type="w" for="ch" forName="compNode" val="50" fact="NaN" max="NaN"/>
+    </dgm:ruleLst>
+    <dgm:forEach name="Name7" axis="ch" ptType="node">
+      <dgm:layoutNode name="compNode">
+        <dgm:alg type="composite"/>
+        <dgm:shape xmlns:r="http://schemas.openxmlformats.org/officeDocument/2006/relationships" r:blip="">
+          <dgm:adjLst/>
+        </dgm:shape>
+        <dgm:presOf axis="self"/>
+        <dgm:constrLst>
+          <dgm:constr type="w" for="ch" forName="iconRect" refType="w" fact="0.45"/>
+          <dgm:constr type="h" for="ch" forName="iconRect" refType="w" refFor="ch" refForName="iconRect"/>
+          <dgm:constr type="ctrX" for="ch" forName="iconRect" refType="w" fact="0.5"/>
+          <dgm:constr type="t" for="ch" forName="iconRect"/>
+          <dgm:constr type="h" for="ch" forName="spaceRect" refType="h" fact="0.15"/>
+          <dgm:constr type="w" for="ch" forName="spaceRect" refType="w"/>
+          <dgm:constr type="l" for="ch" forName="spaceRect"/>
+          <dgm:constr type="t" for="ch" forName="spaceRect" refType="b" refFor="ch" refForName="iconRect"/>
+          <dgm:constr type="h" for="ch" forName="textRect" val="20"/>
+          <dgm:constr type="w" for="ch" forName="textRect" refType="w"/>
+          <dgm:constr type="l" for="ch" forName="textRect"/>
+          <dgm:constr type="t" for="ch" forName="textRect" refType="b" refFor="ch" refForName="spaceRect"/>
+        </dgm:constrLst>
+        <dgm:ruleLst>
+          <dgm:rule type="h" val="INF" fact="NaN" max="NaN"/>
+        </dgm:ruleLst>
+        <dgm:layoutNode name="iconRect" styleLbl="node1">
+          <dgm:alg type="sp"/>
+          <dgm:shape xmlns:r="http://schemas.openxmlformats.org/officeDocument/2006/relationships" type="rect" r:blip="" blipPhldr="1">
+            <dgm:adjLst/>
+          </dgm:shape>
+          <dgm:presOf/>
+          <dgm:constrLst/>
+          <dgm:ruleLst/>
+        </dgm:layoutNode>
+        <dgm:layoutNode name="spaceRect">
+          <dgm:alg type="sp"/>
+          <dgm:shape xmlns:r="http://schemas.openxmlformats.org/officeDocument/2006/relationships" r:blip="">
+            <dgm:adjLst/>
+          </dgm:shape>
+          <dgm:presOf/>
+          <dgm:constrLst/>
+          <dgm:ruleLst/>
+        </dgm:layoutNode>
+        <dgm:layoutNode name="textRect" styleLbl="revTx">
+          <dgm:varLst>
+            <dgm:chMax val="1"/>
+            <dgm:chPref val="1"/>
+          </dgm:varLst>
+          <dgm:alg type="tx">
+            <dgm:param type="txAnchorVert" val="t"/>
+          </dgm:alg>
+          <dgm:shape xmlns:r="http://schemas.openxmlformats.org/officeDocument/2006/relationships" type="rect" r:blip="">
+            <dgm:adjLst/>
+          </dgm:shape>
+          <dgm:presOf axis="self" ptType="node"/>
+          <dgm:constrLst>
+            <dgm:constr type="lMarg"/>
+            <dgm:constr type="rMarg"/>
+            <dgm:constr type="tMarg"/>
+            <dgm:constr type="bMarg"/>
+          </dgm:constrLst>
+          <dgm:ruleLst>
+            <dgm:rule type="primFontSz" val="11" fact="NaN" max="NaN"/>
+            <dgm:rule type="h" val="INF" fact="NaN" max="NaN"/>
+          </dgm:ruleLst>
+        </dgm:layoutNode>
+      </dgm:layoutNode>
+      <dgm:forEach name="Name8" axis="followSib" ptType="sibTrans" cnt="1">
+        <dgm:layoutNode name="sibTrans">
+          <dgm:alg type="sp"/>
+          <dgm:shape xmlns:r="http://schemas.openxmlformats.org/officeDocument/2006/relationships" r:blip="">
+            <dgm:adjLst/>
+          </dgm:shape>
+          <dgm:presOf axis="self"/>
+          <dgm:constrLst/>
+          <dgm:ruleLst/>
+        </dgm:layoutNode>
+      </dgm:forEach>
+    </dgm:forEach>
+  </dgm:layoutNode>
+  <dgm:extLst>
+    <a:ext uri="{68A01E43-0DF5-4B5B-8FA6-DAF915123BFB}">
+      <dgm1612:lstStyle xmlns:dgm1612="http://schemas.microsoft.com/office/drawing/2016/12/diagram">
+        <a:lvl1pPr>
+          <a:lnSpc>
+            <a:spcPct val="100000"/>
+          </a:lnSpc>
+        </a:lvl1pPr>
+      </dgm1612:lstStyle>
+    </a:ext>
+  </dgm:extLst>
+</dgm:layoutDef>
+</file>
+
+<file path=ppt/diagrams/quickStyle1.xml><?xml version="1.0" encoding="utf-8"?>
+<dgm:styleDef xmlns:dgm="http://schemas.openxmlformats.org/drawingml/2006/diagram" xmlns:a="http://schemas.openxmlformats.org/drawingml/2006/main" uniqueId="urn:microsoft.com/office/officeart/2005/8/quickstyle/simple1">
+  <dgm:title val=""/>
+  <dgm:desc val=""/>
+  <dgm:catLst>
+    <dgm:cat type="simple" pri="10100"/>
+  </dgm:catLst>
+  <dgm:scene3d>
+    <a:camera prst="orthographicFront"/>
+    <a:lightRig rig="threePt" dir="t"/>
+  </dgm:scene3d>
+  <dgm:styleLbl name="node0">
+    <dgm:scene3d>
+      <a:camera prst="orthographicFront"/>
+      <a:lightRig rig="threePt" dir="t"/>
+    </dgm:scene3d>
+    <dgm:sp3d/>
+    <dgm:txPr/>
+    <dgm:style>
+      <a:lnRef idx="2">
+        <a:scrgbClr r="0" g="0" b="0"/>
+      </a:lnRef>
+      <a:fillRef idx="1">
+        <a:scrgbClr r="0" g="0" b="0"/>
+      </a:fillRef>
+      <a:effectRef idx="0">
+        <a:scrgbClr r="0" g="0" b="0"/>
+      </a:effectRef>
+      <a:fontRef idx="minor">
+        <a:schemeClr val="lt1"/>
+      </a:fontRef>
+    </dgm:style>
+  </dgm:styleLbl>
+  <dgm:styleLbl name="lnNode1">
+    <dgm:scene3d>
+      <a:camera prst="orthographicFront"/>
+      <a:lightRig rig="threePt" dir="t"/>
+    </dgm:scene3d>
+    <dgm:sp3d/>
+    <dgm:txPr/>
+    <dgm:style>
+      <a:lnRef idx="2">
+        <a:scrgbClr r="0" g="0" b="0"/>
+      </a:lnRef>
+      <a:fillRef idx="1">
+        <a:scrgbClr r="0" g="0" b="0"/>
+      </a:fillRef>
+      <a:effectRef idx="0">
+        <a:scrgbClr r="0" g="0" b="0"/>
+      </a:effectRef>
+      <a:fontRef idx="minor">
+        <a:schemeClr val="lt1"/>
+      </a:fontRef>
+    </dgm:style>
+  </dgm:styleLbl>
+  <dgm:styleLbl name="vennNode1">
+    <dgm:scene3d>
+      <a:camera prst="orthographicFront"/>
+      <a:lightRig rig="threePt" dir="t"/>
+    </dgm:scene3d>
+    <dgm:sp3d/>
+    <dgm:txPr/>
+    <dgm:style>
+      <a:lnRef idx="2">
+        <a:scrgbClr r="0" g="0" b="0"/>
+      </a:lnRef>
+      <a:fillRef idx="1">
+        <a:scrgbClr r="0" g="0" b="0"/>
+      </a:fillRef>
+      <a:effectRef idx="0">
+        <a:scrgbClr r="0" g="0" b="0"/>
+      </a:effectRef>
+      <a:fontRef idx="minor">
+        <a:schemeClr val="tx1"/>
+      </a:fontRef>
+    </dgm:style>
+  </dgm:styleLbl>
+  <dgm:styleLbl name="alignNode1">
+    <dgm:scene3d>
+      <a:camera prst="orthographicFront"/>
+      <a:lightRig rig="threePt" dir="t"/>
+    </dgm:scene3d>
+    <dgm:sp3d/>
+    <dgm:txPr/>
+    <dgm:style>
+      <a:lnRef idx="2">
+        <a:scrgbClr r="0" g="0" b="0"/>
+      </a:lnRef>
+      <a:fillRef idx="1">
+        <a:scrgbClr r="0" g="0" b="0"/>
+      </a:fillRef>
+      <a:effectRef idx="0">
+        <a:scrgbClr r="0" g="0" b="0"/>
+      </a:effectRef>
+      <a:fontRef idx="minor">
+        <a:schemeClr val="lt1"/>
+      </a:fontRef>
+    </dgm:style>
+  </dgm:styleLbl>
+  <dgm:styleLbl name="node1">
+    <dgm:scene3d>
+      <a:camera prst="orthographicFront"/>
+      <a:lightRig rig="threePt" dir="t"/>
+    </dgm:scene3d>
+    <dgm:sp3d/>
+    <dgm:txPr/>
+    <dgm:style>
+      <a:lnRef idx="2">
+        <a:scrgbClr r="0" g="0" b="0"/>
+      </a:lnRef>
+      <a:fillRef idx="1">
+        <a:scrgbClr r="0" g="0" b="0"/>
+      </a:fillRef>
+      <a:effectRef idx="0">
+        <a:scrgbClr r="0" g="0" b="0"/>
+      </a:effectRef>
+      <a:fontRef idx="minor">
+        <a:schemeClr val="lt1"/>
+      </a:fontRef>
+    </dgm:style>
+  </dgm:styleLbl>
+  <dgm:styleLbl name="node2">
+    <dgm:scene3d>
+      <a:camera prst="orthographicFront"/>
+      <a:lightRig rig="threePt" dir="t"/>
+    </dgm:scene3d>
+    <dgm:sp3d/>
+    <dgm:txPr/>
+    <dgm:style>
+      <a:lnRef idx="2">
+        <a:scrgbClr r="0" g="0" b="0"/>
+      </a:lnRef>
+      <a:fillRef idx="1">
+        <a:scrgbClr r="0" g="0" b="0"/>
+      </a:fillRef>
+      <a:effectRef idx="0">
+        <a:scrgbClr r="0" g="0" b="0"/>
+      </a:effectRef>
+      <a:fontRef idx="minor">
+        <a:schemeClr val="lt1"/>
+      </a:fontRef>
+    </dgm:style>
+  </dgm:styleLbl>
+  <dgm:styleLbl name="node3">
+    <dgm:scene3d>
+      <a:camera prst="orthographicFront"/>
+      <a:lightRig rig="threePt" dir="t"/>
+    </dgm:scene3d>
+    <dgm:sp3d/>
+    <dgm:txPr/>
+    <dgm:style>
+      <a:lnRef idx="2">
+        <a:scrgbClr r="0" g="0" b="0"/>
+      </a:lnRef>
+      <a:fillRef idx="1">
+        <a:scrgbClr r="0" g="0" b="0"/>
+      </a:fillRef>
+      <a:effectRef idx="0">
+        <a:scrgbClr r="0" g="0" b="0"/>
+      </a:effectRef>
+      <a:fontRef idx="minor">
+        <a:schemeClr val="lt1"/>
+      </a:fontRef>
+    </dgm:style>
+  </dgm:styleLbl>
+  <dgm:styleLbl name="node4">
+    <dgm:scene3d>
+      <a:camera prst="orthographicFront"/>
+      <a:lightRig rig="threePt" dir="t"/>
+    </dgm:scene3d>
+    <dgm:sp3d/>
+    <dgm:txPr/>
+    <dgm:style>
+      <a:lnRef idx="2">
+        <a:scrgbClr r="0" g="0" b="0"/>
+      </a:lnRef>
+      <a:fillRef idx="1">
+        <a:scrgbClr r="0" g="0" b="0"/>
+      </a:fillRef>
+      <a:effectRef idx="0">
+        <a:scrgbClr r="0" g="0" b="0"/>
+      </a:effectRef>
+      <a:fontRef idx="minor">
+        <a:schemeClr val="lt1"/>
+      </a:fontRef>
+    </dgm:style>
+  </dgm:styleLbl>
+  <dgm:styleLbl name="fgImgPlace1">
+    <dgm:scene3d>
+      <a:camera prst="orthographicFront"/>
+      <a:lightRig rig="threePt" dir="t"/>
+    </dgm:scene3d>
+    <dgm:sp3d/>
+    <dgm:txPr/>
+    <dgm:style>
+      <a:lnRef idx="2">
+        <a:scrgbClr r="0" g="0" b="0"/>
+      </a:lnRef>
+      <a:fillRef idx="1">
+        <a:scrgbClr r="0" g="0" b="0"/>
+      </a:fillRef>
+      <a:effectRef idx="0">
+        <a:scrgbClr r="0" g="0" b="0"/>
+      </a:effectRef>
+      <a:fontRef idx="minor"/>
+    </dgm:style>
+  </dgm:styleLbl>
+  <dgm:styleLbl name="alignImgPlace1">
+    <dgm:scene3d>
+      <a:camera prst="orthographicFront"/>
+      <a:lightRig rig="threePt" dir="t"/>
+    </dgm:scene3d>
+    <dgm:sp3d/>
+    <dgm:txPr/>
+    <dgm:style>
+      <a:lnRef idx="2">
+        <a:scrgbClr r="0" g="0" b="0"/>
+      </a:lnRef>
+      <a:fillRef idx="1">
+        <a:scrgbClr r="0" g="0" b="0"/>
+      </a:fillRef>
+      <a:effectRef idx="0">
+        <a:scrgbClr r="0" g="0" b="0"/>
+      </a:effectRef>
+      <a:fontRef idx="minor"/>
+    </dgm:style>
+  </dgm:styleLbl>
+  <dgm:styleLbl name="bgImgPlace1">
+    <dgm:scene3d>
+      <a:camera prst="orthographicFront"/>
+      <a:lightRig rig="threePt" dir="t"/>
+    </dgm:scene3d>
+    <dgm:sp3d/>
+    <dgm:txPr/>
+    <dgm:style>
+      <a:lnRef idx="2">
+        <a:scrgbClr r="0" g="0" b="0"/>
+      </a:lnRef>
+      <a:fillRef idx="1">
+        <a:scrgbClr r="0" g="0" b="0"/>
+      </a:fillRef>
+      <a:effectRef idx="0">
+        <a:scrgbClr r="0" g="0" b="0"/>
+      </a:effectRef>
+      <a:fontRef idx="minor"/>
+    </dgm:style>
+  </dgm:styleLbl>
+  <dgm:styleLbl name="sibTrans2D1">
+    <dgm:scene3d>
+      <a:camera prst="orthographicFront"/>
+      <a:lightRig rig="threePt" dir="t"/>
+    </dgm:scene3d>
+    <dgm:sp3d/>
+    <dgm:txPr/>
+    <dgm:style>
+      <a:lnRef idx="0">
+        <a:scrgbClr r="0" g="0" b="0"/>
+      </a:lnRef>
+      <a:fillRef idx="1">
+        <a:scrgbClr r="0" g="0" b="0"/>
+      </a:fillRef>
+      <a:effectRef idx="0">
+        <a:scrgbClr r="0" g="0" b="0"/>
+      </a:effectRef>
+      <a:fontRef idx="minor">
+        <a:schemeClr val="lt1"/>
+      </a:fontRef>
+    </dgm:style>
+  </dgm:styleLbl>
+  <dgm:styleLbl name="fgSibTrans2D1">
+    <dgm:scene3d>
+      <a:camera prst="orthographicFront"/>
+      <a:lightRig rig="threePt" dir="t"/>
+    </dgm:scene3d>
+    <dgm:sp3d/>
+    <dgm:txPr/>
+    <dgm:style>
+      <a:lnRef idx="0">
+        <a:scrgbClr r="0" g="0" b="0"/>
+      </a:lnRef>
+      <a:fillRef idx="1">
+        <a:scrgbClr r="0" g="0" b="0"/>
+      </a:fillRef>
+      <a:effectRef idx="0">
+        <a:scrgbClr r="0" g="0" b="0"/>
+      </a:effectRef>
+      <a:fontRef idx="minor">
+        <a:schemeClr val="lt1"/>
+      </a:fontRef>
+    </dgm:style>
+  </dgm:styleLbl>
+  <dgm:styleLbl name="bgSibTrans2D1">
+    <dgm:scene3d>
+      <a:camera prst="orthographicFront"/>
+      <a:lightRig rig="threePt" dir="t"/>
+    </dgm:scene3d>
+    <dgm:sp3d/>
+    <dgm:txPr/>
+    <dgm:style>
+      <a:lnRef idx="0">
+        <a:scrgbClr r="0" g="0" b="0"/>
+      </a:lnRef>
+      <a:fillRef idx="1">
+        <a:scrgbClr r="0" g="0" b="0"/>
+      </a:fillRef>
+      <a:effectRef idx="0">
+        <a:scrgbClr r="0" g="0" b="0"/>
+      </a:effectRef>
+      <a:fontRef idx="minor">
+        <a:schemeClr val="lt1"/>
+      </a:fontRef>
+    </dgm:style>
+  </dgm:styleLbl>
+  <dgm:styleLbl name="sibTrans1D1">
+    <dgm:scene3d>
+      <a:camera prst="orthographicFront"/>
+      <a:lightRig rig="threePt" dir="t"/>
+    </dgm:scene3d>
+    <dgm:sp3d/>
+    <dgm:txPr/>
+    <dgm:style>
+      <a:lnRef idx="1">
+        <a:scrgbClr r="0" g="0" b="0"/>
+      </a:lnRef>
+      <a:fillRef idx="0">
+        <a:scrgbClr r="0" g="0" b="0"/>
+      </a:fillRef>
+      <a:effectRef idx="0">
+        <a:scrgbClr r="0" g="0" b="0"/>
+      </a:effectRef>
+      <a:fontRef idx="minor"/>
+    </dgm:style>
+  </dgm:styleLbl>
+  <dgm:styleLbl name="callout">
+    <dgm:scene3d>
+      <a:camera prst="orthographicFront"/>
+      <a:lightRig rig="threePt" dir="t"/>
+    </dgm:scene3d>
+    <dgm:sp3d/>
+    <dgm:txPr/>
+    <dgm:style>
+      <a:lnRef idx="2">
+        <a:scrgbClr r="0" g="0" b="0"/>
+      </a:lnRef>
+      <a:fillRef idx="1">
+        <a:scrgbClr r="0" g="0" b="0"/>
+      </a:fillRef>
+      <a:effectRef idx="0">
+        <a:scrgbClr r="0" g="0" b="0"/>
+      </a:effectRef>
+      <a:fontRef idx="minor"/>
+    </dgm:style>
+  </dgm:styleLbl>
+  <dgm:styleLbl name="asst0">
+    <dgm:scene3d>
+      <a:camera prst="orthographicFront"/>
+      <a:lightRig rig="threePt" dir="t"/>
+    </dgm:scene3d>
+    <dgm:sp3d/>
+    <dgm:txPr/>
+    <dgm:style>
+      <a:lnRef idx="2">
+        <a:scrgbClr r="0" g="0" b="0"/>
+      </a:lnRef>
+      <a:fillRef idx="1">
+        <a:scrgbClr r="0" g="0" b="0"/>
+      </a:fillRef>
+      <a:effectRef idx="0">
+        <a:scrgbClr r="0" g="0" b="0"/>
+      </a:effectRef>
+      <a:fontRef idx="minor">
+        <a:schemeClr val="lt1"/>
+      </a:fontRef>
+    </dgm:style>
+  </dgm:styleLbl>
+  <dgm:styleLbl name="asst1">
+    <dgm:scene3d>
+      <a:camera prst="orthographicFront"/>
+      <a:lightRig rig="threePt" dir="t"/>
+    </dgm:scene3d>
+    <dgm:sp3d/>
+    <dgm:txPr/>
+    <dgm:style>
+      <a:lnRef idx="2">
+        <a:scrgbClr r="0" g="0" b="0"/>
+      </a:lnRef>
+      <a:fillRef idx="1">
+        <a:scrgbClr r="0" g="0" b="0"/>
+      </a:fillRef>
+      <a:effectRef idx="0">
+        <a:scrgbClr r="0" g="0" b="0"/>
+      </a:effectRef>
+      <a:fontRef idx="minor">
+        <a:schemeClr val="lt1"/>
+      </a:fontRef>
+    </dgm:style>
+  </dgm:styleLbl>
+  <dgm:styleLbl name="asst2">
+    <dgm:scene3d>
+      <a:camera prst="orthographicFront"/>
+      <a:lightRig rig="threePt" dir="t"/>
+    </dgm:scene3d>
+    <dgm:sp3d/>
+    <dgm:txPr/>
+    <dgm:style>
+      <a:lnRef idx="2">
+        <a:scrgbClr r="0" g="0" b="0"/>
+      </a:lnRef>
+      <a:fillRef idx="1">
+        <a:scrgbClr r="0" g="0" b="0"/>
+      </a:fillRef>
+      <a:effectRef idx="0">
+        <a:scrgbClr r="0" g="0" b="0"/>
+      </a:effectRef>
+      <a:fontRef idx="minor">
+        <a:schemeClr val="lt1"/>
+      </a:fontRef>
+    </dgm:style>
+  </dgm:styleLbl>
+  <dgm:styleLbl name="asst3">
+    <dgm:scene3d>
+      <a:camera prst="orthographicFront"/>
+      <a:lightRig rig="threePt" dir="t"/>
+    </dgm:scene3d>
+    <dgm:sp3d/>
+    <dgm:txPr/>
+    <dgm:style>
+      <a:lnRef idx="2">
+        <a:scrgbClr r="0" g="0" b="0"/>
+      </a:lnRef>
+      <a:fillRef idx="1">
+        <a:scrgbClr r="0" g="0" b="0"/>
+      </a:fillRef>
+      <a:effectRef idx="0">
+        <a:scrgbClr r="0" g="0" b="0"/>
+      </a:effectRef>
+      <a:fontRef idx="minor">
+        <a:schemeClr val="lt1"/>
+      </a:fontRef>
+    </dgm:style>
+  </dgm:styleLbl>
+  <dgm:styleLbl name="asst4">
+    <dgm:scene3d>
+      <a:camera prst="orthographicFront"/>
+      <a:lightRig rig="threePt" dir="t"/>
+    </dgm:scene3d>
+    <dgm:sp3d/>
+    <dgm:txPr/>
+    <dgm:style>
+      <a:lnRef idx="2">
+        <a:scrgbClr r="0" g="0" b="0"/>
+      </a:lnRef>
+      <a:fillRef idx="1">
+        <a:scrgbClr r="0" g="0" b="0"/>
+      </a:fillRef>
+      <a:effectRef idx="0">
+        <a:scrgbClr r="0" g="0" b="0"/>
+      </a:effectRef>
+      <a:fontRef idx="minor">
+        <a:schemeClr val="lt1"/>
+      </a:fontRef>
+    </dgm:style>
+  </dgm:styleLbl>
+  <dgm:styleLbl name="parChTrans2D1">
+    <dgm:scene3d>
+      <a:camera prst="orthographicFront"/>
+      <a:lightRig rig="threePt" dir="t"/>
+    </dgm:scene3d>
+    <dgm:sp3d/>
+    <dgm:txPr/>
+    <dgm:style>
+      <a:lnRef idx="2">
+        <a:scrgbClr r="0" g="0" b="0"/>
+      </a:lnRef>
+      <a:fillRef idx="1">
+        <a:scrgbClr r="0" g="0" b="0"/>
+      </a:fillRef>
+      <a:effectRef idx="0">
+        <a:scrgbClr r="0" g="0" b="0"/>
+      </a:effectRef>
+      <a:fontRef idx="minor">
+        <a:schemeClr val="lt1"/>
+      </a:fontRef>
+    </dgm:style>
+  </dgm:styleLbl>
+  <dgm:styleLbl name="parChTrans2D2">
+    <dgm:scene3d>
+      <a:camera prst="orthographicFront"/>
+      <a:lightRig rig="threePt" dir="t"/>
+    </dgm:scene3d>
+    <dgm:sp3d/>
+    <dgm:txPr/>
+    <dgm:style>
+      <a:lnRef idx="2">
+        <a:scrgbClr r="0" g="0" b="0"/>
+      </a:lnRef>
+      <a:fillRef idx="1">
+        <a:scrgbClr r="0" g="0" b="0"/>
+      </a:fillRef>
+      <a:effectRef idx="0">
+        <a:scrgbClr r="0" g="0" b="0"/>
+      </a:effectRef>
+      <a:fontRef idx="minor">
+        <a:schemeClr val="lt1"/>
+      </a:fontRef>
+    </dgm:style>
+  </dgm:styleLbl>
+  <dgm:styleLbl name="parChTrans2D3">
+    <dgm:scene3d>
+      <a:camera prst="orthographicFront"/>
+      <a:lightRig rig="threePt" dir="t"/>
+    </dgm:scene3d>
+    <dgm:sp3d/>
+    <dgm:txPr/>
+    <dgm:style>
+      <a:lnRef idx="2">
+        <a:scrgbClr r="0" g="0" b="0"/>
+      </a:lnRef>
+      <a:fillRef idx="1">
+        <a:scrgbClr r="0" g="0" b="0"/>
+      </a:fillRef>
+      <a:effectRef idx="0">
+        <a:scrgbClr r="0" g="0" b="0"/>
+      </a:effectRef>
+      <a:fontRef idx="minor">
+        <a:schemeClr val="lt1"/>
+      </a:fontRef>
+    </dgm:style>
+  </dgm:styleLbl>
+  <dgm:styleLbl name="parChTrans2D4">
+    <dgm:scene3d>
+      <a:camera prst="orthographicFront"/>
+      <a:lightRig rig="threePt" dir="t"/>
+    </dgm:scene3d>
+    <dgm:sp3d/>
+    <dgm:txPr/>
+    <dgm:style>
+      <a:lnRef idx="2">
+        <a:scrgbClr r="0" g="0" b="0"/>
+      </a:lnRef>
+      <a:fillRef idx="1">
+        <a:scrgbClr r="0" g="0" b="0"/>
+      </a:fillRef>
+      <a:effectRef idx="0">
+        <a:scrgbClr r="0" g="0" b="0"/>
+      </a:effectRef>
+      <a:fontRef idx="minor">
+        <a:schemeClr val="lt1"/>
+      </a:fontRef>
+    </dgm:style>
+  </dgm:styleLbl>
+  <dgm:styleLbl name="parChTrans1D1">
+    <dgm:scene3d>
+      <a:camera prst="orthographicFront"/>
+      <a:lightRig rig="threePt" dir="t"/>
+    </dgm:scene3d>
+    <dgm:sp3d/>
+    <dgm:txPr/>
+    <dgm:style>
+      <a:lnRef idx="2">
+        <a:scrgbClr r="0" g="0" b="0"/>
+      </a:lnRef>
+      <a:fillRef idx="0">
+        <a:scrgbClr r="0" g="0" b="0"/>
+      </a:fillRef>
+      <a:effectRef idx="0">
+        <a:scrgbClr r="0" g="0" b="0"/>
+      </a:effectRef>
+      <a:fontRef idx="minor"/>
+    </dgm:style>
+  </dgm:styleLbl>
+  <dgm:styleLbl name="parChTrans1D2">
+    <dgm:scene3d>
+      <a:camera prst="orthographicFront"/>
+      <a:lightRig rig="threePt" dir="t"/>
+    </dgm:scene3d>
+    <dgm:sp3d/>
+    <dgm:txPr/>
+    <dgm:style>
+      <a:lnRef idx="2">
+        <a:scrgbClr r="0" g="0" b="0"/>
+      </a:lnRef>
+      <a:fillRef idx="0">
+        <a:scrgbClr r="0" g="0" b="0"/>
+      </a:fillRef>
+      <a:effectRef idx="0">
+        <a:scrgbClr r="0" g="0" b="0"/>
+      </a:effectRef>
+      <a:fontRef idx="minor"/>
+    </dgm:style>
+  </dgm:styleLbl>
+  <dgm:styleLbl name="parChTrans1D3">
+    <dgm:scene3d>
+      <a:camera prst="orthographicFront"/>
+      <a:lightRig rig="threePt" dir="t"/>
+    </dgm:scene3d>
+    <dgm:sp3d/>
+    <dgm:txPr/>
+    <dgm:style>
+      <a:lnRef idx="2">
+        <a:scrgbClr r="0" g="0" b="0"/>
+      </a:lnRef>
+      <a:fillRef idx="0">
+        <a:scrgbClr r="0" g="0" b="0"/>
+      </a:fillRef>
+      <a:effectRef idx="0">
+        <a:scrgbClr r="0" g="0" b="0"/>
+      </a:effectRef>
+      <a:fontRef idx="minor"/>
+    </dgm:style>
+  </dgm:styleLbl>
+  <dgm:styleLbl name="parChTrans1D4">
+    <dgm:scene3d>
+      <a:camera prst="orthographicFront"/>
+      <a:lightRig rig="threePt" dir="t"/>
+    </dgm:scene3d>
+    <dgm:sp3d/>
+    <dgm:txPr/>
+    <dgm:style>
+      <a:lnRef idx="2">
+        <a:scrgbClr r="0" g="0" b="0"/>
+      </a:lnRef>
+      <a:fillRef idx="0">
+        <a:scrgbClr r="0" g="0" b="0"/>
+      </a:fillRef>
+      <a:effectRef idx="0">
+        <a:scrgbClr r="0" g="0" b="0"/>
+      </a:effectRef>
+      <a:fontRef idx="minor"/>
+    </dgm:style>
+  </dgm:styleLbl>
+  <dgm:styleLbl name="fgAcc1">
+    <dgm:scene3d>
+      <a:camera prst="orthographicFront"/>
+      <a:lightRig rig="threePt" dir="t"/>
+    </dgm:scene3d>
+    <dgm:sp3d/>
+    <dgm:txPr/>
+    <dgm:style>
+      <a:lnRef idx="2">
+        <a:scrgbClr r="0" g="0" b="0"/>
+      </a:lnRef>
+      <a:fillRef idx="1">
+        <a:scrgbClr r="0" g="0" b="0"/>
+      </a:fillRef>
+      <a:effectRef idx="0">
+        <a:scrgbClr r="0" g="0" b="0"/>
+      </a:effectRef>
+      <a:fontRef idx="minor"/>
+    </dgm:style>
+  </dgm:styleLbl>
+  <dgm:styleLbl name="conFgAcc1">
+    <dgm:scene3d>
+      <a:camera prst="orthographicFront"/>
+      <a:lightRig rig="threePt" dir="t"/>
+    </dgm:scene3d>
+    <dgm:sp3d/>
+    <dgm:txPr/>
+    <dgm:style>
+      <a:lnRef idx="2">
+        <a:scrgbClr r="0" g="0" b="0"/>
+      </a:lnRef>
+      <a:fillRef idx="1">
+        <a:scrgbClr r="0" g="0" b="0"/>
+      </a:fillRef>
+      <a:effectRef idx="0">
+        <a:scrgbClr r="0" g="0" b="0"/>
+      </a:effectRef>
+      <a:fontRef idx="minor"/>
+    </dgm:style>
+  </dgm:styleLbl>
+  <dgm:styleLbl name="alignAcc1">
+    <dgm:scene3d>
+      <a:camera prst="orthographicFront"/>
+      <a:lightRig rig="threePt" dir="t"/>
+    </dgm:scene3d>
+    <dgm:sp3d/>
+    <dgm:txPr/>
+    <dgm:style>
+      <a:lnRef idx="2">
+        <a:scrgbClr r="0" g="0" b="0"/>
+      </a:lnRef>
+      <a:fillRef idx="1">
+        <a:scrgbClr r="0" g="0" b="0"/>
+      </a:fillRef>
+      <a:effectRef idx="0">
+        <a:scrgbClr r="0" g="0" b="0"/>
+      </a:effectRef>
+      <a:fontRef idx="minor"/>
+    </dgm:style>
+  </dgm:styleLbl>
+  <dgm:styleLbl name="trAlignAcc1">
+    <dgm:scene3d>
+      <a:camera prst="orthographicFront"/>
+      <a:lightRig rig="threePt" dir="t"/>
+    </dgm:scene3d>
+    <dgm:sp3d/>
+    <dgm:txPr/>
+    <dgm:style>
+      <a:lnRef idx="1">
+        <a:scrgbClr r="0" g="0" b="0"/>
+      </a:lnRef>
+      <a:fillRef idx="1">
+        <a:scrgbClr r="0" g="0" b="0"/>
+      </a:fillRef>
+      <a:effectRef idx="0">
+        <a:scrgbClr r="0" g="0" b="0"/>
+      </a:effectRef>
+      <a:fontRef idx="minor"/>
+    </dgm:style>
+  </dgm:styleLbl>
+  <dgm:styleLbl name="bgAcc1">
+    <dgm:scene3d>
+      <a:camera prst="orthographicFront"/>
+      <a:lightRig rig="threePt" dir="t"/>
+    </dgm:scene3d>
+    <dgm:sp3d/>
+    <dgm:txPr/>
+    <dgm:style>
+      <a:lnRef idx="2">
+        <a:scrgbClr r="0" g="0" b="0"/>
+      </a:lnRef>
+      <a:fillRef idx="1">
+        <a:scrgbClr r="0" g="0" b="0"/>
+      </a:fillRef>
+      <a:effectRef idx="0">
+        <a:scrgbClr r="0" g="0" b="0"/>
+      </a:effectRef>
+      <a:fontRef idx="minor"/>
+    </dgm:style>
+  </dgm:styleLbl>
+  <dgm:styleLbl name="solidFgAcc1">
+    <dgm:scene3d>
+      <a:camera prst="orthographicFront"/>
+      <a:lightRig rig="threePt" dir="t"/>
+    </dgm:scene3d>
+    <dgm:sp3d/>
+    <dgm:txPr/>
+    <dgm:style>
+      <a:lnRef idx="2">
+        <a:scrgbClr r="0" g="0" b="0"/>
+      </a:lnRef>
+      <a:fillRef idx="1">
+        <a:scrgbClr r="0" g="0" b="0"/>
+      </a:fillRef>
+      <a:effectRef idx="0">
+        <a:scrgbClr r="0" g="0" b="0"/>
+      </a:effectRef>
+      <a:fontRef idx="minor"/>
+    </dgm:style>
+  </dgm:styleLbl>
+  <dgm:styleLbl name="solidAlignAcc1">
+    <dgm:scene3d>
+      <a:camera prst="orthographicFront"/>
+      <a:lightRig rig="threePt" dir="t"/>
+    </dgm:scene3d>
+    <dgm:sp3d/>
+    <dgm:txPr/>
+    <dgm:style>
+      <a:lnRef idx="2">
+        <a:scrgbClr r="0" g="0" b="0"/>
+      </a:lnRef>
+      <a:fillRef idx="1">
+        <a:scrgbClr r="0" g="0" b="0"/>
+      </a:fillRef>
+      <a:effectRef idx="0">
+        <a:scrgbClr r="0" g="0" b="0"/>
+      </a:effectRef>
+      <a:fontRef idx="minor"/>
+    </dgm:style>
+  </dgm:styleLbl>
+  <dgm:styleLbl name="solidBgAcc1">
+    <dgm:scene3d>
+      <a:camera prst="orthographicFront"/>
+      <a:lightRig rig="threePt" dir="t"/>
+    </dgm:scene3d>
+    <dgm:sp3d/>
+    <dgm:txPr/>
+    <dgm:style>
+      <a:lnRef idx="2">
+        <a:scrgbClr r="0" g="0" b="0"/>
+      </a:lnRef>
+      <a:fillRef idx="1">
+        <a:scrgbClr r="0" g="0" b="0"/>
+      </a:fillRef>
+      <a:effectRef idx="0">
+        <a:scrgbClr r="0" g="0" b="0"/>
+      </a:effectRef>
+      <a:fontRef idx="minor"/>
+    </dgm:style>
+  </dgm:styleLbl>
+  <dgm:styleLbl name="fgAccFollowNode1">
+    <dgm:scene3d>
+      <a:camera prst="orthographicFront"/>
+      <a:lightRig rig="threePt" dir="t"/>
+    </dgm:scene3d>
+    <dgm:sp3d/>
+    <dgm:txPr/>
+    <dgm:style>
+      <a:lnRef idx="2">
+        <a:scrgbClr r="0" g="0" b="0"/>
+      </a:lnRef>
+      <a:fillRef idx="1">
+        <a:scrgbClr r="0" g="0" b="0"/>
+      </a:fillRef>
+      <a:effectRef idx="0">
+        <a:scrgbClr r="0" g="0" b="0"/>
+      </a:effectRef>
+      <a:fontRef idx="minor"/>
+    </dgm:style>
+  </dgm:styleLbl>
+  <dgm:styleLbl name="alignAccFollowNode1">
+    <dgm:scene3d>
+      <a:camera prst="orthographicFront"/>
+      <a:lightRig rig="threePt" dir="t"/>
+    </dgm:scene3d>
+    <dgm:sp3d/>
+    <dgm:txPr/>
+    <dgm:style>
+      <a:lnRef idx="2">
+        <a:scrgbClr r="0" g="0" b="0"/>
+      </a:lnRef>
+      <a:fillRef idx="1">
+        <a:scrgbClr r="0" g="0" b="0"/>
+      </a:fillRef>
+      <a:effectRef idx="0">
+        <a:scrgbClr r="0" g="0" b="0"/>
+      </a:effectRef>
+      <a:fontRef idx="minor"/>
+    </dgm:style>
+  </dgm:styleLbl>
+  <dgm:styleLbl name="bgAccFollowNode1">
+    <dgm:scene3d>
+      <a:camera prst="orthographicFront"/>
+      <a:lightRig rig="threePt" dir="t"/>
+    </dgm:scene3d>
+    <dgm:sp3d/>
+    <dgm:txPr/>
+    <dgm:style>
+      <a:lnRef idx="2">
+        <a:scrgbClr r="0" g="0" b="0"/>
+      </a:lnRef>
+      <a:fillRef idx="1">
+        <a:scrgbClr r="0" g="0" b="0"/>
+      </a:fillRef>
+      <a:effectRef idx="0">
+        <a:scrgbClr r="0" g="0" b="0"/>
+      </a:effectRef>
+      <a:fontRef idx="minor"/>
+    </dgm:style>
+  </dgm:styleLbl>
+  <dgm:styleLbl name="fgAcc0">
+    <dgm:scene3d>
+      <a:camera prst="orthographicFront"/>
+      <a:lightRig rig="threePt" dir="t"/>
+    </dgm:scene3d>
+    <dgm:sp3d/>
+    <dgm:txPr/>
+    <dgm:style>
+      <a:lnRef idx="2">
+        <a:scrgbClr r="0" g="0" b="0"/>
+      </a:lnRef>
+      <a:fillRef idx="1">
+        <a:scrgbClr r="0" g="0" b="0"/>
+      </a:fillRef>
+      <a:effectRef idx="0">
+        <a:scrgbClr r="0" g="0" b="0"/>
+      </a:effectRef>
+      <a:fontRef idx="minor"/>
+    </dgm:style>
+  </dgm:styleLbl>
+  <dgm:styleLbl name="fgAcc2">
+    <dgm:scene3d>
+      <a:camera prst="orthographicFront"/>
+      <a:lightRig rig="threePt" dir="t"/>
+    </dgm:scene3d>
+    <dgm:sp3d/>
+    <dgm:txPr/>
+    <dgm:style>
+      <a:lnRef idx="2">
+        <a:scrgbClr r="0" g="0" b="0"/>
+      </a:lnRef>
+      <a:fillRef idx="1">
+        <a:scrgbClr r="0" g="0" b="0"/>
+      </a:fillRef>
+      <a:effectRef idx="0">
+        <a:scrgbClr r="0" g="0" b="0"/>
+      </a:effectRef>
+      <a:fontRef idx="minor"/>
+    </dgm:style>
+  </dgm:styleLbl>
+  <dgm:styleLbl name="fgAcc3">
+    <dgm:scene3d>
+      <a:camera prst="orthographicFront"/>
+      <a:lightRig rig="threePt" dir="t"/>
+    </dgm:scene3d>
+    <dgm:sp3d/>
+    <dgm:txPr/>
+    <dgm:style>
+      <a:lnRef idx="2">
+        <a:scrgbClr r="0" g="0" b="0"/>
+      </a:lnRef>
+      <a:fillRef idx="1">
+        <a:scrgbClr r="0" g="0" b="0"/>
+      </a:fillRef>
+      <a:effectRef idx="0">
+        <a:scrgbClr r="0" g="0" b="0"/>
+      </a:effectRef>
+      <a:fontRef idx="minor"/>
+    </dgm:style>
+  </dgm:styleLbl>
+  <dgm:styleLbl name="fgAcc4">
+    <dgm:scene3d>
+      <a:camera prst="orthographicFront"/>
+      <a:lightRig rig="threePt" dir="t"/>
+    </dgm:scene3d>
+    <dgm:sp3d/>
+    <dgm:txPr/>
+    <dgm:style>
+      <a:lnRef idx="2">
+        <a:scrgbClr r="0" g="0" b="0"/>
+      </a:lnRef>
+      <a:fillRef idx="1">
+        <a:scrgbClr r="0" g="0" b="0"/>
+      </a:fillRef>
+      <a:effectRef idx="0">
+        <a:scrgbClr r="0" g="0" b="0"/>
+      </a:effectRef>
+      <a:fontRef idx="minor"/>
+    </dgm:style>
+  </dgm:styleLbl>
+  <dgm:styleLbl name="bgShp">
+    <dgm:scene3d>
+      <a:camera prst="orthographicFront"/>
+      <a:lightRig rig="threePt" dir="t"/>
+    </dgm:scene3d>
+    <dgm:sp3d/>
+    <dgm:txPr/>
+    <dgm:style>
+      <a:lnRef idx="0">
+        <a:scrgbClr r="0" g="0" b="0"/>
+      </a:lnRef>
+      <a:fillRef idx="1">
+        <a:scrgbClr r="0" g="0" b="0"/>
+      </a:fillRef>
+      <a:effectRef idx="0">
+        <a:scrgbClr r="0" g="0" b="0"/>
+      </a:effectRef>
+      <a:fontRef idx="minor"/>
+    </dgm:style>
+  </dgm:styleLbl>
+  <dgm:styleLbl name="dkBgShp">
+    <dgm:scene3d>
+      <a:camera prst="orthographicFront"/>
+      <a:lightRig rig="threePt" dir="t"/>
+    </dgm:scene3d>
+    <dgm:sp3d/>
+    <dgm:txPr/>
+    <dgm:style>
+      <a:lnRef idx="0">
+        <a:scrgbClr r="0" g="0" b="0"/>
+      </a:lnRef>
+      <a:fillRef idx="1">
+        <a:scrgbClr r="0" g="0" b="0"/>
+      </a:fillRef>
+      <a:effectRef idx="0">
+        <a:scrgbClr r="0" g="0" b="0"/>
+      </a:effectRef>
+      <a:fontRef idx="minor"/>
+    </dgm:style>
+  </dgm:styleLbl>
+  <dgm:styleLbl name="trBgShp">
+    <dgm:scene3d>
+      <a:camera prst="orthographicFront"/>
+      <a:lightRig rig="threePt" dir="t"/>
+    </dgm:scene3d>
+    <dgm:sp3d/>
+    <dgm:txPr/>
+    <dgm:style>
+      <a:lnRef idx="0">
+        <a:scrgbClr r="0" g="0" b="0"/>
+      </a:lnRef>
+      <a:fillRef idx="1">
+        <a:scrgbClr r="0" g="0" b="0"/>
+      </a:fillRef>
+      <a:effectRef idx="0">
+        <a:scrgbClr r="0" g="0" b="0"/>
+      </a:effectRef>
+      <a:fontRef idx="minor"/>
+    </dgm:style>
+  </dgm:styleLbl>
+  <dgm:styleLbl name="fgShp">
+    <dgm:scene3d>
+      <a:camera prst="orthographicFront"/>
+      <a:lightRig rig="threePt" dir="t"/>
+    </dgm:scene3d>
+    <dgm:sp3d/>
+    <dgm:txPr/>
+    <dgm:style>
+      <a:lnRef idx="2">
+        <a:scrgbClr r="0" g="0" b="0"/>
+      </a:lnRef>
+      <a:fillRef idx="1">
+        <a:scrgbClr r="0" g="0" b="0"/>
+      </a:fillRef>
+      <a:effectRef idx="0">
+        <a:scrgbClr r="0" g="0" b="0"/>
+      </a:effectRef>
+      <a:fontRef idx="minor"/>
+    </dgm:style>
+  </dgm:styleLbl>
+  <dgm:styleLbl name="revTx">
+    <dgm:scene3d>
+      <a:camera prst="orthographicFront"/>
+      <a:lightRig rig="threePt" dir="t"/>
+    </dgm:scene3d>
+    <dgm:sp3d/>
+    <dgm:txPr/>
+    <dgm:style>
+      <a:lnRef idx="0">
+        <a:scrgbClr r="0" g="0" b="0"/>
+      </a:lnRef>
+      <a:fillRef idx="0">
+        <a:scrgbClr r="0" g="0" b="0"/>
+      </a:fillRef>
+      <a:effectRef idx="0">
+        <a:scrgbClr r="0" g="0" b="0"/>
+      </a:effectRef>
+      <a:fontRef idx="minor"/>
+    </dgm:style>
+  </dgm:styleLbl>
+</dgm:styleDef>
 </file>
 
 <file path=ppt/notesMasters/notesMaster1.xml><?xml version="1.0" encoding="utf-8"?>
@@ -223,7 +3129,7 @@
           <a:p>
             <a:fld id="{46AFB893-BDC8-42C7-85B9-B9DD459D43E6}" type="datetimeFigureOut">
               <a:rPr lang="en-US" smtClean="0"/>
-              <a:t>8/14/2021</a:t>
+              <a:t>8/15/2021</a:t>
             </a:fld>
             <a:endParaRPr lang="en-US"/>
           </a:p>
@@ -741,7 +3647,7 @@
           <a:p>
             <a:fld id="{CEEDEE60-28D8-4E07-959E-E98517174666}" type="datetimeFigureOut">
               <a:rPr lang="en-US" smtClean="0"/>
-              <a:t>8/14/2021</a:t>
+              <a:t>8/15/2021</a:t>
             </a:fld>
             <a:endParaRPr lang="en-US"/>
           </a:p>
@@ -939,7 +3845,7 @@
           <a:p>
             <a:fld id="{CEEDEE60-28D8-4E07-959E-E98517174666}" type="datetimeFigureOut">
               <a:rPr lang="en-US" smtClean="0"/>
-              <a:t>8/14/2021</a:t>
+              <a:t>8/15/2021</a:t>
             </a:fld>
             <a:endParaRPr lang="en-US"/>
           </a:p>
@@ -1147,7 +4053,7 @@
           <a:p>
             <a:fld id="{CEEDEE60-28D8-4E07-959E-E98517174666}" type="datetimeFigureOut">
               <a:rPr lang="en-US" smtClean="0"/>
-              <a:t>8/14/2021</a:t>
+              <a:t>8/15/2021</a:t>
             </a:fld>
             <a:endParaRPr lang="en-US"/>
           </a:p>
@@ -1345,7 +4251,7 @@
           <a:p>
             <a:fld id="{CEEDEE60-28D8-4E07-959E-E98517174666}" type="datetimeFigureOut">
               <a:rPr lang="en-US" smtClean="0"/>
-              <a:t>8/14/2021</a:t>
+              <a:t>8/15/2021</a:t>
             </a:fld>
             <a:endParaRPr lang="en-US"/>
           </a:p>
@@ -1620,7 +4526,7 @@
           <a:p>
             <a:fld id="{CEEDEE60-28D8-4E07-959E-E98517174666}" type="datetimeFigureOut">
               <a:rPr lang="en-US" smtClean="0"/>
-              <a:t>8/14/2021</a:t>
+              <a:t>8/15/2021</a:t>
             </a:fld>
             <a:endParaRPr lang="en-US"/>
           </a:p>
@@ -1885,7 +4791,7 @@
           <a:p>
             <a:fld id="{CEEDEE60-28D8-4E07-959E-E98517174666}" type="datetimeFigureOut">
               <a:rPr lang="en-US" smtClean="0"/>
-              <a:t>8/14/2021</a:t>
+              <a:t>8/15/2021</a:t>
             </a:fld>
             <a:endParaRPr lang="en-US"/>
           </a:p>
@@ -2297,7 +5203,7 @@
           <a:p>
             <a:fld id="{CEEDEE60-28D8-4E07-959E-E98517174666}" type="datetimeFigureOut">
               <a:rPr lang="en-US" smtClean="0"/>
-              <a:t>8/14/2021</a:t>
+              <a:t>8/15/2021</a:t>
             </a:fld>
             <a:endParaRPr lang="en-US"/>
           </a:p>
@@ -2438,7 +5344,7 @@
           <a:p>
             <a:fld id="{CEEDEE60-28D8-4E07-959E-E98517174666}" type="datetimeFigureOut">
               <a:rPr lang="en-US" smtClean="0"/>
-              <a:t>8/14/2021</a:t>
+              <a:t>8/15/2021</a:t>
             </a:fld>
             <a:endParaRPr lang="en-US"/>
           </a:p>
@@ -2551,7 +5457,7 @@
           <a:p>
             <a:fld id="{CEEDEE60-28D8-4E07-959E-E98517174666}" type="datetimeFigureOut">
               <a:rPr lang="en-US" smtClean="0"/>
-              <a:t>8/14/2021</a:t>
+              <a:t>8/15/2021</a:t>
             </a:fld>
             <a:endParaRPr lang="en-US"/>
           </a:p>
@@ -2862,7 +5768,7 @@
           <a:p>
             <a:fld id="{CEEDEE60-28D8-4E07-959E-E98517174666}" type="datetimeFigureOut">
               <a:rPr lang="en-US" smtClean="0"/>
-              <a:t>8/14/2021</a:t>
+              <a:t>8/15/2021</a:t>
             </a:fld>
             <a:endParaRPr lang="en-US"/>
           </a:p>
@@ -3150,7 +6056,7 @@
           <a:p>
             <a:fld id="{CEEDEE60-28D8-4E07-959E-E98517174666}" type="datetimeFigureOut">
               <a:rPr lang="en-US" smtClean="0"/>
-              <a:t>8/14/2021</a:t>
+              <a:t>8/15/2021</a:t>
             </a:fld>
             <a:endParaRPr lang="en-US"/>
           </a:p>
@@ -3391,7 +6297,7 @@
           <a:p>
             <a:fld id="{CEEDEE60-28D8-4E07-959E-E98517174666}" type="datetimeFigureOut">
               <a:rPr lang="en-US" smtClean="0"/>
-              <a:t>8/14/2021</a:t>
+              <a:t>8/15/2021</a:t>
             </a:fld>
             <a:endParaRPr lang="en-US"/>
           </a:p>
@@ -3852,7 +6758,6 @@
               <a:rPr lang="en-US" sz="4700"/>
               <a:t>The Second Document Intelligence Workshop: Closing</a:t>
             </a:r>
-            <a:endParaRPr lang="en-US" sz="4700" dirty="0"/>
           </a:p>
         </p:txBody>
       </p:sp>
@@ -3964,6 +6869,345 @@
 </file>
 
 <file path=ppt/slides/slide2.xml><?xml version="1.0" encoding="utf-8"?>
+<p:sld xmlns:a="http://schemas.openxmlformats.org/drawingml/2006/main" xmlns:r="http://schemas.openxmlformats.org/officeDocument/2006/relationships" xmlns:p="http://schemas.openxmlformats.org/presentationml/2006/main">
+  <p:cSld>
+    <p:bg>
+      <p:bgPr>
+        <a:solidFill>
+          <a:schemeClr val="bg1">
+            <a:tint val="95000"/>
+            <a:satMod val="170000"/>
+          </a:schemeClr>
+        </a:solidFill>
+        <a:effectLst/>
+      </p:bgPr>
+    </p:bg>
+    <p:spTree>
+      <p:nvGrpSpPr>
+        <p:cNvPr id="1" name=""/>
+        <p:cNvGrpSpPr/>
+        <p:nvPr/>
+      </p:nvGrpSpPr>
+      <p:grpSpPr>
+        <a:xfrm>
+          <a:off x="0" y="0"/>
+          <a:ext cx="0" cy="0"/>
+          <a:chOff x="0" y="0"/>
+          <a:chExt cx="0" cy="0"/>
+        </a:xfrm>
+      </p:grpSpPr>
+      <p:sp>
+        <p:nvSpPr>
+          <p:cNvPr id="2" name="Title 1">
+            <a:extLst>
+              <a:ext uri="{FF2B5EF4-FFF2-40B4-BE49-F238E27FC236}">
+                <a16:creationId xmlns:a16="http://schemas.microsoft.com/office/drawing/2014/main" id="{5B534503-40BB-4BD4-AF4B-86F34436DEE0}"/>
+              </a:ext>
+            </a:extLst>
+          </p:cNvPr>
+          <p:cNvSpPr>
+            <a:spLocks noGrp="1"/>
+          </p:cNvSpPr>
+          <p:nvPr>
+            <p:ph type="title"/>
+          </p:nvPr>
+        </p:nvSpPr>
+        <p:spPr>
+          <a:xfrm>
+            <a:off x="6234330" y="803325"/>
+            <a:ext cx="5314536" cy="1325563"/>
+          </a:xfrm>
+        </p:spPr>
+        <p:txBody>
+          <a:bodyPr>
+            <a:normAutofit/>
+          </a:bodyPr>
+          <a:lstStyle/>
+          <a:p>
+            <a:r>
+              <a:rPr lang="en-US"/>
+              <a:t>Workshop Summary	</a:t>
+            </a:r>
+          </a:p>
+        </p:txBody>
+      </p:sp>
+      <p:sp>
+        <p:nvSpPr>
+          <p:cNvPr id="10" name="Freeform: Shape 9">
+            <a:extLst>
+              <a:ext uri="{FF2B5EF4-FFF2-40B4-BE49-F238E27FC236}">
+                <a16:creationId xmlns:a16="http://schemas.microsoft.com/office/drawing/2014/main" id="{CF62D2A7-8207-488C-9F46-316BA81A16C8}"/>
+              </a:ext>
+              <a:ext uri="{C183D7F6-B498-43B3-948B-1728B52AA6E4}">
+                <adec:decorative xmlns:adec="http://schemas.microsoft.com/office/drawing/2017/decorative" val="1"/>
+              </a:ext>
+            </a:extLst>
+          </p:cNvPr>
+          <p:cNvSpPr>
+            <a:spLocks noGrp="1" noRot="1" noChangeAspect="1" noMove="1" noResize="1" noEditPoints="1" noAdjustHandles="1" noChangeArrowheads="1" noChangeShapeType="1" noTextEdit="1"/>
+          </p:cNvSpPr>
+          <p:nvPr>
+            <p:extLst>
+              <p:ext uri="{386F3935-93C4-4BCD-93E2-E3B085C9AB24}">
+                <p16:designElem xmlns:p16="http://schemas.microsoft.com/office/powerpoint/2015/main" val="1"/>
+              </p:ext>
+            </p:extLst>
+          </p:nvPr>
+        </p:nvSpPr>
+        <p:spPr>
+          <a:xfrm>
+            <a:off x="0" y="-2008"/>
+            <a:ext cx="5609220" cy="5840278"/>
+          </a:xfrm>
+          <a:custGeom>
+            <a:avLst/>
+            <a:gdLst>
+              <a:gd name="connsiteX0" fmla="*/ 0 w 5609220"/>
+              <a:gd name="connsiteY0" fmla="*/ 0 h 5840278"/>
+              <a:gd name="connsiteX1" fmla="*/ 4637091 w 5609220"/>
+              <a:gd name="connsiteY1" fmla="*/ 0 h 5840278"/>
+              <a:gd name="connsiteX2" fmla="*/ 4822569 w 5609220"/>
+              <a:gd name="connsiteY2" fmla="*/ 204077 h 5840278"/>
+              <a:gd name="connsiteX3" fmla="*/ 5609220 w 5609220"/>
+              <a:gd name="connsiteY3" fmla="*/ 2395363 h 5840278"/>
+              <a:gd name="connsiteX4" fmla="*/ 2164305 w 5609220"/>
+              <a:gd name="connsiteY4" fmla="*/ 5840278 h 5840278"/>
+              <a:gd name="connsiteX5" fmla="*/ 238220 w 5609220"/>
+              <a:gd name="connsiteY5" fmla="*/ 5251941 h 5840278"/>
+              <a:gd name="connsiteX6" fmla="*/ 0 w 5609220"/>
+              <a:gd name="connsiteY6" fmla="*/ 5073803 h 5840278"/>
+            </a:gdLst>
+            <a:ahLst/>
+            <a:cxnLst>
+              <a:cxn ang="0">
+                <a:pos x="connsiteX0" y="connsiteY0"/>
+              </a:cxn>
+              <a:cxn ang="0">
+                <a:pos x="connsiteX1" y="connsiteY1"/>
+              </a:cxn>
+              <a:cxn ang="0">
+                <a:pos x="connsiteX2" y="connsiteY2"/>
+              </a:cxn>
+              <a:cxn ang="0">
+                <a:pos x="connsiteX3" y="connsiteY3"/>
+              </a:cxn>
+              <a:cxn ang="0">
+                <a:pos x="connsiteX4" y="connsiteY4"/>
+              </a:cxn>
+              <a:cxn ang="0">
+                <a:pos x="connsiteX5" y="connsiteY5"/>
+              </a:cxn>
+              <a:cxn ang="0">
+                <a:pos x="connsiteX6" y="connsiteY6"/>
+              </a:cxn>
+            </a:cxnLst>
+            <a:rect l="l" t="t" r="r" b="b"/>
+            <a:pathLst>
+              <a:path w="5609220" h="5840278">
+                <a:moveTo>
+                  <a:pt x="0" y="0"/>
+                </a:moveTo>
+                <a:lnTo>
+                  <a:pt x="4637091" y="0"/>
+                </a:lnTo>
+                <a:lnTo>
+                  <a:pt x="4822569" y="204077"/>
+                </a:lnTo>
+                <a:cubicBezTo>
+                  <a:pt x="5314007" y="799562"/>
+                  <a:pt x="5609220" y="1562987"/>
+                  <a:pt x="5609220" y="2395363"/>
+                </a:cubicBezTo>
+                <a:cubicBezTo>
+                  <a:pt x="5609220" y="4297937"/>
+                  <a:pt x="4066879" y="5840278"/>
+                  <a:pt x="2164305" y="5840278"/>
+                </a:cubicBezTo>
+                <a:cubicBezTo>
+                  <a:pt x="1450840" y="5840278"/>
+                  <a:pt x="788032" y="5623387"/>
+                  <a:pt x="238220" y="5251941"/>
+                </a:cubicBezTo>
+                <a:lnTo>
+                  <a:pt x="0" y="5073803"/>
+                </a:lnTo>
+                <a:close/>
+              </a:path>
+            </a:pathLst>
+          </a:custGeom>
+          <a:solidFill>
+            <a:srgbClr val="FFFFFF">
+              <a:alpha val="80000"/>
+            </a:srgbClr>
+          </a:solidFill>
+          <a:ln>
+            <a:noFill/>
+          </a:ln>
+        </p:spPr>
+        <p:style>
+          <a:lnRef idx="2">
+            <a:schemeClr val="accent1">
+              <a:shade val="50000"/>
+            </a:schemeClr>
+          </a:lnRef>
+          <a:fillRef idx="1">
+            <a:schemeClr val="accent1"/>
+          </a:fillRef>
+          <a:effectRef idx="0">
+            <a:schemeClr val="accent1"/>
+          </a:effectRef>
+          <a:fontRef idx="minor">
+            <a:schemeClr val="lt1"/>
+          </a:fontRef>
+        </p:style>
+        <p:txBody>
+          <a:bodyPr rtlCol="0" anchor="ctr"/>
+          <a:lstStyle/>
+          <a:p>
+            <a:pPr marL="0" marR="0" lvl="0" indent="0" algn="ctr" defTabSz="914400" rtl="0" eaLnBrk="1" fontAlgn="auto" latinLnBrk="0" hangingPunct="1">
+              <a:lnSpc>
+                <a:spcPct val="100000"/>
+              </a:lnSpc>
+              <a:spcBef>
+                <a:spcPts val="0"/>
+              </a:spcBef>
+              <a:spcAft>
+                <a:spcPts val="0"/>
+              </a:spcAft>
+              <a:buClrTx/>
+              <a:buSzTx/>
+              <a:buFontTx/>
+              <a:buNone/>
+              <a:tabLst/>
+              <a:defRPr/>
+            </a:pPr>
+            <a:endParaRPr kumimoji="0" lang="en-US" sz="1800" b="0" i="0" u="none" strike="noStrike" kern="1200" cap="none" spc="0" normalizeH="0" baseline="0" noProof="0">
+              <a:ln>
+                <a:noFill/>
+              </a:ln>
+              <a:solidFill>
+                <a:prstClr val="white"/>
+              </a:solidFill>
+              <a:effectLst/>
+              <a:uLnTx/>
+              <a:uFillTx/>
+              <a:latin typeface="Calibri" panose="020F0502020204030204"/>
+              <a:ea typeface="+mn-ea"/>
+              <a:cs typeface="+mn-cs"/>
+            </a:endParaRPr>
+          </a:p>
+        </p:txBody>
+      </p:sp>
+      <p:pic>
+        <p:nvPicPr>
+          <p:cNvPr id="6" name="Picture 5">
+            <a:extLst>
+              <a:ext uri="{FF2B5EF4-FFF2-40B4-BE49-F238E27FC236}">
+                <a16:creationId xmlns:a16="http://schemas.microsoft.com/office/drawing/2014/main" id="{CA31B27A-D728-4481-9A98-6D6C0311C1D8}"/>
+              </a:ext>
+            </a:extLst>
+          </p:cNvPr>
+          <p:cNvPicPr>
+            <a:picLocks noChangeAspect="1"/>
+          </p:cNvPicPr>
+          <p:nvPr/>
+        </p:nvPicPr>
+        <p:blipFill rotWithShape="1">
+          <a:blip r:embed="rId2"/>
+          <a:srcRect l="4130" r="38130" b="-1"/>
+          <a:stretch/>
+        </p:blipFill>
+        <p:spPr>
+          <a:xfrm>
+            <a:off x="2" y="-2"/>
+            <a:ext cx="5441859" cy="5654940"/>
+          </a:xfrm>
+          <a:custGeom>
+            <a:avLst/>
+            <a:gdLst/>
+            <a:ahLst/>
+            <a:cxnLst/>
+            <a:rect l="l" t="t" r="r" b="b"/>
+            <a:pathLst>
+              <a:path w="5441859" h="5654940">
+                <a:moveTo>
+                  <a:pt x="0" y="0"/>
+                </a:moveTo>
+                <a:lnTo>
+                  <a:pt x="4400491" y="0"/>
+                </a:lnTo>
+                <a:lnTo>
+                  <a:pt x="4484766" y="76595"/>
+                </a:lnTo>
+                <a:cubicBezTo>
+                  <a:pt x="5076107" y="667936"/>
+                  <a:pt x="5441859" y="1484866"/>
+                  <a:pt x="5441859" y="2387221"/>
+                </a:cubicBezTo>
+                <a:cubicBezTo>
+                  <a:pt x="5441859" y="4191932"/>
+                  <a:pt x="3978851" y="5654940"/>
+                  <a:pt x="2174140" y="5654940"/>
+                </a:cubicBezTo>
+                <a:cubicBezTo>
+                  <a:pt x="1412778" y="5654940"/>
+                  <a:pt x="712231" y="5394557"/>
+                  <a:pt x="156693" y="4957981"/>
+                </a:cubicBezTo>
+                <a:lnTo>
+                  <a:pt x="0" y="4820612"/>
+                </a:lnTo>
+                <a:close/>
+              </a:path>
+            </a:pathLst>
+          </a:custGeom>
+        </p:spPr>
+      </p:pic>
+      <p:graphicFrame>
+        <p:nvGraphicFramePr>
+          <p:cNvPr id="5" name="Content Placeholder 2">
+            <a:extLst>
+              <a:ext uri="{FF2B5EF4-FFF2-40B4-BE49-F238E27FC236}">
+                <a16:creationId xmlns:a16="http://schemas.microsoft.com/office/drawing/2014/main" id="{46C5C93D-4226-4DDF-8CC6-DE79C8894E8E}"/>
+              </a:ext>
+            </a:extLst>
+          </p:cNvPr>
+          <p:cNvGraphicFramePr>
+            <a:graphicFrameLocks noGrp="1"/>
+          </p:cNvGraphicFramePr>
+          <p:nvPr>
+            <p:ph idx="1"/>
+            <p:extLst>
+              <p:ext uri="{D42A27DB-BD31-4B8C-83A1-F6EECF244321}">
+                <p14:modId xmlns:p14="http://schemas.microsoft.com/office/powerpoint/2010/main" val="641516144"/>
+              </p:ext>
+            </p:extLst>
+          </p:nvPr>
+        </p:nvGraphicFramePr>
+        <p:xfrm>
+          <a:off x="6234329" y="2279018"/>
+          <a:ext cx="5314543" cy="3375920"/>
+        </p:xfrm>
+        <a:graphic>
+          <a:graphicData uri="http://schemas.openxmlformats.org/drawingml/2006/diagram">
+            <dgm:relIds xmlns:dgm="http://schemas.openxmlformats.org/drawingml/2006/diagram" xmlns:r="http://schemas.openxmlformats.org/officeDocument/2006/relationships" r:dm="rId3" r:lo="rId4" r:qs="rId5" r:cs="rId6"/>
+          </a:graphicData>
+        </a:graphic>
+      </p:graphicFrame>
+    </p:spTree>
+    <p:extLst>
+      <p:ext uri="{BB962C8B-B14F-4D97-AF65-F5344CB8AC3E}">
+        <p14:creationId xmlns:p14="http://schemas.microsoft.com/office/powerpoint/2010/main" val="2905886471"/>
+      </p:ext>
+    </p:extLst>
+  </p:cSld>
+  <p:clrMapOvr>
+    <a:overrideClrMapping bg1="dk1" tx1="lt1" bg2="dk2" tx2="lt2" accent1="accent1" accent2="accent2" accent3="accent3" accent4="accent4" accent5="accent5" accent6="accent6" hlink="hlink" folHlink="folHlink"/>
+  </p:clrMapOvr>
+</p:sld>
+</file>
+
+<file path=ppt/slides/slide3.xml><?xml version="1.0" encoding="utf-8"?>
 <p:sld xmlns:a="http://schemas.openxmlformats.org/drawingml/2006/main" xmlns:r="http://schemas.openxmlformats.org/officeDocument/2006/relationships" xmlns:p="http://schemas.openxmlformats.org/presentationml/2006/main">
   <p:cSld>
     <p:bg>
@@ -4312,31 +7556,31 @@
           <a:lstStyle/>
           <a:p>
             <a:r>
-              <a:rPr lang="en-US" sz="2200" dirty="0"/>
+              <a:rPr lang="en-US" sz="2200"/>
               <a:t>Paper Submission/Review Process</a:t>
             </a:r>
           </a:p>
           <a:p>
             <a:r>
-              <a:rPr lang="en-US" sz="2200" dirty="0"/>
+              <a:rPr lang="en-US" sz="2200"/>
               <a:t>Invited Talks</a:t>
             </a:r>
           </a:p>
           <a:p>
             <a:r>
-              <a:rPr lang="en-US" sz="2200" dirty="0"/>
+              <a:rPr lang="en-US" sz="2200"/>
               <a:t>Workshop Program</a:t>
             </a:r>
           </a:p>
           <a:p>
             <a:r>
-              <a:rPr lang="en-US" sz="2200" dirty="0"/>
+              <a:rPr lang="en-US" sz="2200"/>
               <a:t>Workshop Venue</a:t>
             </a:r>
           </a:p>
           <a:p>
             <a:r>
-              <a:rPr lang="en-US" sz="2200" dirty="0"/>
+              <a:rPr lang="en-US" sz="2200"/>
               <a:t>Others</a:t>
             </a:r>
           </a:p>
@@ -4355,7 +7599,7 @@
 </p:sld>
 </file>
 
-<file path=ppt/slides/slide3.xml><?xml version="1.0" encoding="utf-8"?>
+<file path=ppt/slides/slide4.xml><?xml version="1.0" encoding="utf-8"?>
 <p:sld xmlns:a="http://schemas.openxmlformats.org/drawingml/2006/main" xmlns:r="http://schemas.openxmlformats.org/officeDocument/2006/relationships" xmlns:p="http://schemas.openxmlformats.org/presentationml/2006/main">
   <p:cSld>
     <p:bg>
@@ -4704,27 +7948,27 @@
           <a:lstStyle/>
           <a:p>
             <a:r>
-              <a:rPr lang="en-US" sz="2200" dirty="0"/>
+              <a:rPr lang="en-US" sz="2200"/>
               <a:t>Every </a:t>
             </a:r>
             <a:r>
-              <a:rPr lang="en-US" sz="2200" i="1" dirty="0"/>
+              <a:rPr lang="en-US" sz="2200" i="1"/>
               <a:t>n</a:t>
             </a:r>
             <a:r>
-              <a:rPr lang="en-US" sz="2200" dirty="0"/>
+              <a:rPr lang="en-US" sz="2200"/>
               <a:t> year?</a:t>
             </a:r>
           </a:p>
           <a:p>
             <a:r>
-              <a:rPr lang="en-US" sz="2200" dirty="0"/>
+              <a:rPr lang="en-US" sz="2200"/>
               <a:t>Volunteers?</a:t>
             </a:r>
           </a:p>
           <a:p>
             <a:r>
-              <a:rPr lang="en-US" sz="2200" dirty="0"/>
+              <a:rPr lang="en-US" sz="2200"/>
               <a:t>Shared tasks?</a:t>
             </a:r>
           </a:p>
@@ -4734,6 +7978,531 @@
     <p:extLst>
       <p:ext uri="{BB962C8B-B14F-4D97-AF65-F5344CB8AC3E}">
         <p14:creationId xmlns:p14="http://schemas.microsoft.com/office/powerpoint/2010/main" val="2701848250"/>
+      </p:ext>
+    </p:extLst>
+  </p:cSld>
+  <p:clrMapOvr>
+    <a:overrideClrMapping bg1="dk1" tx1="lt1" bg2="dk2" tx2="lt2" accent1="accent1" accent2="accent2" accent3="accent3" accent4="accent4" accent5="accent5" accent6="accent6" hlink="hlink" folHlink="folHlink"/>
+  </p:clrMapOvr>
+</p:sld>
+</file>
+
+<file path=ppt/slides/slide5.xml><?xml version="1.0" encoding="utf-8"?>
+<p:sld xmlns:a="http://schemas.openxmlformats.org/drawingml/2006/main" xmlns:r="http://schemas.openxmlformats.org/officeDocument/2006/relationships" xmlns:p="http://schemas.openxmlformats.org/presentationml/2006/main">
+  <p:cSld>
+    <p:bg>
+      <p:bgPr>
+        <a:solidFill>
+          <a:schemeClr val="accent3">
+            <a:lumMod val="75000"/>
+          </a:schemeClr>
+        </a:solidFill>
+        <a:effectLst/>
+      </p:bgPr>
+    </p:bg>
+    <p:spTree>
+      <p:nvGrpSpPr>
+        <p:cNvPr id="1" name=""/>
+        <p:cNvGrpSpPr/>
+        <p:nvPr/>
+      </p:nvGrpSpPr>
+      <p:grpSpPr>
+        <a:xfrm>
+          <a:off x="0" y="0"/>
+          <a:ext cx="0" cy="0"/>
+          <a:chOff x="0" y="0"/>
+          <a:chExt cx="0" cy="0"/>
+        </a:xfrm>
+      </p:grpSpPr>
+      <p:sp>
+        <p:nvSpPr>
+          <p:cNvPr id="7" name="Rectangle 6">
+            <a:extLst>
+              <a:ext uri="{FF2B5EF4-FFF2-40B4-BE49-F238E27FC236}">
+                <a16:creationId xmlns:a16="http://schemas.microsoft.com/office/drawing/2014/main" id="{DA3C47C2-33A2-44B2-BEAB-FEB679075C24}"/>
+              </a:ext>
+              <a:ext uri="{C183D7F6-B498-43B3-948B-1728B52AA6E4}">
+                <adec:decorative xmlns:adec="http://schemas.microsoft.com/office/drawing/2017/decorative" val="1"/>
+              </a:ext>
+            </a:extLst>
+          </p:cNvPr>
+          <p:cNvSpPr>
+            <a:spLocks noGrp="1" noRot="1" noChangeAspect="1" noMove="1" noResize="1" noEditPoints="1" noAdjustHandles="1" noChangeArrowheads="1" noChangeShapeType="1" noTextEdit="1"/>
+          </p:cNvSpPr>
+          <p:nvPr>
+            <p:extLst>
+              <p:ext uri="{386F3935-93C4-4BCD-93E2-E3B085C9AB24}">
+                <p16:designElem xmlns:p16="http://schemas.microsoft.com/office/powerpoint/2015/main" val="1"/>
+              </p:ext>
+            </p:extLst>
+          </p:nvPr>
+        </p:nvSpPr>
+        <p:spPr>
+          <a:xfrm flipV="1">
+            <a:off x="0" y="-3324"/>
+            <a:ext cx="12192000" cy="6861324"/>
+          </a:xfrm>
+          <a:prstGeom prst="rect">
+            <a:avLst/>
+          </a:prstGeom>
+          <a:solidFill>
+            <a:srgbClr val="7F7F7F"/>
+          </a:solidFill>
+          <a:ln>
+            <a:noFill/>
+          </a:ln>
+        </p:spPr>
+        <p:style>
+          <a:lnRef idx="2">
+            <a:schemeClr val="accent1">
+              <a:shade val="50000"/>
+            </a:schemeClr>
+          </a:lnRef>
+          <a:fillRef idx="1">
+            <a:schemeClr val="accent1"/>
+          </a:fillRef>
+          <a:effectRef idx="0">
+            <a:schemeClr val="accent1"/>
+          </a:effectRef>
+          <a:fontRef idx="minor">
+            <a:schemeClr val="lt1"/>
+          </a:fontRef>
+        </p:style>
+        <p:txBody>
+          <a:bodyPr rtlCol="0" anchor="ctr"/>
+          <a:lstStyle/>
+          <a:p>
+            <a:pPr marL="0" marR="0" lvl="0" indent="0" algn="ctr" defTabSz="914400" rtl="0" eaLnBrk="1" fontAlgn="auto" latinLnBrk="0" hangingPunct="1">
+              <a:lnSpc>
+                <a:spcPct val="100000"/>
+              </a:lnSpc>
+              <a:spcBef>
+                <a:spcPts val="0"/>
+              </a:spcBef>
+              <a:spcAft>
+                <a:spcPts val="0"/>
+              </a:spcAft>
+              <a:buClrTx/>
+              <a:buSzTx/>
+              <a:buFontTx/>
+              <a:buNone/>
+              <a:tabLst/>
+              <a:defRPr/>
+            </a:pPr>
+            <a:endParaRPr kumimoji="0" lang="en-US" sz="1800" b="0" i="0" u="none" strike="noStrike" kern="1200" cap="none" spc="0" normalizeH="0" baseline="0" noProof="0">
+              <a:ln>
+                <a:noFill/>
+              </a:ln>
+              <a:solidFill>
+                <a:prstClr val="white"/>
+              </a:solidFill>
+              <a:effectLst/>
+              <a:uLnTx/>
+              <a:uFillTx/>
+              <a:latin typeface="Calibri" panose="020F0502020204030204"/>
+              <a:ea typeface="+mn-ea"/>
+              <a:cs typeface="+mn-cs"/>
+            </a:endParaRPr>
+          </a:p>
+        </p:txBody>
+      </p:sp>
+      <p:sp>
+        <p:nvSpPr>
+          <p:cNvPr id="9" name="Freeform 3">
+            <a:extLst>
+              <a:ext uri="{FF2B5EF4-FFF2-40B4-BE49-F238E27FC236}">
+                <a16:creationId xmlns:a16="http://schemas.microsoft.com/office/drawing/2014/main" id="{AD182BA8-54AD-4D9F-8264-B0FA8BB47D7C}"/>
+              </a:ext>
+              <a:ext uri="{C183D7F6-B498-43B3-948B-1728B52AA6E4}">
+                <adec:decorative xmlns:adec="http://schemas.microsoft.com/office/drawing/2017/decorative" val="1"/>
+              </a:ext>
+            </a:extLst>
+          </p:cNvPr>
+          <p:cNvSpPr>
+            <a:spLocks noGrp="1" noRot="1" noChangeAspect="1" noMove="1" noResize="1" noEditPoints="1" noAdjustHandles="1" noChangeArrowheads="1" noChangeShapeType="1" noTextEdit="1"/>
+          </p:cNvSpPr>
+          <p:nvPr>
+            <p:extLst>
+              <p:ext uri="{386F3935-93C4-4BCD-93E2-E3B085C9AB24}">
+                <p16:designElem xmlns:p16="http://schemas.microsoft.com/office/powerpoint/2015/main" val="1"/>
+              </p:ext>
+            </p:extLst>
+          </p:nvPr>
+        </p:nvSpPr>
+        <p:spPr>
+          <a:xfrm flipV="1">
+            <a:off x="1246925" y="-479"/>
+            <a:ext cx="9468701" cy="6858478"/>
+          </a:xfrm>
+          <a:custGeom>
+            <a:avLst/>
+            <a:gdLst>
+              <a:gd name="connsiteX0" fmla="*/ 0 w 8078051"/>
+              <a:gd name="connsiteY0" fmla="*/ 0 h 5829300"/>
+              <a:gd name="connsiteX1" fmla="*/ 4453793 w 8078051"/>
+              <a:gd name="connsiteY1" fmla="*/ 0 h 5829300"/>
+              <a:gd name="connsiteX2" fmla="*/ 5363426 w 8078051"/>
+              <a:gd name="connsiteY2" fmla="*/ 0 h 5829300"/>
+              <a:gd name="connsiteX3" fmla="*/ 5368184 w 8078051"/>
+              <a:gd name="connsiteY3" fmla="*/ 0 h 5829300"/>
+              <a:gd name="connsiteX4" fmla="*/ 8078051 w 8078051"/>
+              <a:gd name="connsiteY4" fmla="*/ 5829300 h 5829300"/>
+              <a:gd name="connsiteX5" fmla="*/ 1743926 w 8078051"/>
+              <a:gd name="connsiteY5" fmla="*/ 5829300 h 5829300"/>
+              <a:gd name="connsiteX6" fmla="*/ 1744148 w 8078051"/>
+              <a:gd name="connsiteY6" fmla="*/ 5828822 h 5829300"/>
+              <a:gd name="connsiteX7" fmla="*/ 0 w 8078051"/>
+              <a:gd name="connsiteY7" fmla="*/ 5828822 h 5829300"/>
+            </a:gdLst>
+            <a:ahLst/>
+            <a:cxnLst>
+              <a:cxn ang="0">
+                <a:pos x="connsiteX0" y="connsiteY0"/>
+              </a:cxn>
+              <a:cxn ang="0">
+                <a:pos x="connsiteX1" y="connsiteY1"/>
+              </a:cxn>
+              <a:cxn ang="0">
+                <a:pos x="connsiteX2" y="connsiteY2"/>
+              </a:cxn>
+              <a:cxn ang="0">
+                <a:pos x="connsiteX3" y="connsiteY3"/>
+              </a:cxn>
+              <a:cxn ang="0">
+                <a:pos x="connsiteX4" y="connsiteY4"/>
+              </a:cxn>
+              <a:cxn ang="0">
+                <a:pos x="connsiteX5" y="connsiteY5"/>
+              </a:cxn>
+              <a:cxn ang="0">
+                <a:pos x="connsiteX6" y="connsiteY6"/>
+              </a:cxn>
+              <a:cxn ang="0">
+                <a:pos x="connsiteX7" y="connsiteY7"/>
+              </a:cxn>
+            </a:cxnLst>
+            <a:rect l="l" t="t" r="r" b="b"/>
+            <a:pathLst>
+              <a:path w="8078051" h="5829300">
+                <a:moveTo>
+                  <a:pt x="0" y="0"/>
+                </a:moveTo>
+                <a:lnTo>
+                  <a:pt x="4453793" y="0"/>
+                </a:lnTo>
+                <a:lnTo>
+                  <a:pt x="5363426" y="0"/>
+                </a:lnTo>
+                <a:lnTo>
+                  <a:pt x="5368184" y="0"/>
+                </a:lnTo>
+                <a:lnTo>
+                  <a:pt x="8078051" y="5829300"/>
+                </a:lnTo>
+                <a:lnTo>
+                  <a:pt x="1743926" y="5829300"/>
+                </a:lnTo>
+                <a:lnTo>
+                  <a:pt x="1744148" y="5828822"/>
+                </a:lnTo>
+                <a:lnTo>
+                  <a:pt x="0" y="5828822"/>
+                </a:lnTo>
+                <a:close/>
+              </a:path>
+            </a:pathLst>
+          </a:custGeom>
+          <a:solidFill>
+            <a:schemeClr val="bg1">
+              <a:lumMod val="85000"/>
+              <a:lumOff val="15000"/>
+              <a:alpha val="70000"/>
+            </a:schemeClr>
+          </a:solidFill>
+          <a:ln>
+            <a:noFill/>
+          </a:ln>
+        </p:spPr>
+        <p:style>
+          <a:lnRef idx="2">
+            <a:schemeClr val="accent1">
+              <a:shade val="50000"/>
+            </a:schemeClr>
+          </a:lnRef>
+          <a:fillRef idx="1">
+            <a:schemeClr val="accent1"/>
+          </a:fillRef>
+          <a:effectRef idx="0">
+            <a:schemeClr val="accent1"/>
+          </a:effectRef>
+          <a:fontRef idx="minor">
+            <a:schemeClr val="lt1"/>
+          </a:fontRef>
+        </p:style>
+        <p:txBody>
+          <a:bodyPr rtlCol="0" anchor="ctr"/>
+          <a:lstStyle/>
+          <a:p>
+            <a:pPr marL="0" marR="0" lvl="0" indent="0" algn="ctr" defTabSz="914400" rtl="0" eaLnBrk="1" fontAlgn="auto" latinLnBrk="0" hangingPunct="1">
+              <a:lnSpc>
+                <a:spcPct val="100000"/>
+              </a:lnSpc>
+              <a:spcBef>
+                <a:spcPts val="0"/>
+              </a:spcBef>
+              <a:spcAft>
+                <a:spcPts val="0"/>
+              </a:spcAft>
+              <a:buClrTx/>
+              <a:buSzTx/>
+              <a:buFontTx/>
+              <a:buNone/>
+              <a:tabLst/>
+              <a:defRPr/>
+            </a:pPr>
+            <a:endParaRPr kumimoji="0" lang="en-US" sz="1800" b="0" i="0" u="none" strike="noStrike" kern="1200" cap="none" spc="0" normalizeH="0" baseline="0" noProof="0">
+              <a:ln>
+                <a:noFill/>
+              </a:ln>
+              <a:solidFill>
+                <a:prstClr val="white"/>
+              </a:solidFill>
+              <a:effectLst/>
+              <a:uLnTx/>
+              <a:uFillTx/>
+              <a:latin typeface="Calibri" panose="020F0502020204030204"/>
+              <a:ea typeface="+mn-ea"/>
+              <a:cs typeface="+mn-cs"/>
+            </a:endParaRPr>
+          </a:p>
+        </p:txBody>
+      </p:sp>
+      <p:sp>
+        <p:nvSpPr>
+          <p:cNvPr id="11" name="Freeform 16">
+            <a:extLst>
+              <a:ext uri="{FF2B5EF4-FFF2-40B4-BE49-F238E27FC236}">
+                <a16:creationId xmlns:a16="http://schemas.microsoft.com/office/drawing/2014/main" id="{4ED83379-0499-45E1-AB78-6AA230F96442}"/>
+              </a:ext>
+              <a:ext uri="{C183D7F6-B498-43B3-948B-1728B52AA6E4}">
+                <adec:decorative xmlns:adec="http://schemas.microsoft.com/office/drawing/2017/decorative" val="1"/>
+              </a:ext>
+            </a:extLst>
+          </p:cNvPr>
+          <p:cNvSpPr>
+            <a:spLocks noGrp="1" noRot="1" noChangeAspect="1" noMove="1" noResize="1" noEditPoints="1" noAdjustHandles="1" noChangeArrowheads="1" noChangeShapeType="1" noTextEdit="1"/>
+          </p:cNvSpPr>
+          <p:nvPr>
+            <p:extLst>
+              <p:ext uri="{386F3935-93C4-4BCD-93E2-E3B085C9AB24}">
+                <p16:designElem xmlns:p16="http://schemas.microsoft.com/office/powerpoint/2015/main" val="1"/>
+              </p:ext>
+            </p:extLst>
+          </p:nvPr>
+        </p:nvSpPr>
+        <p:spPr>
+          <a:xfrm flipV="1">
+            <a:off x="-1" y="-479"/>
+            <a:ext cx="9324977" cy="6858479"/>
+          </a:xfrm>
+          <a:custGeom>
+            <a:avLst/>
+            <a:gdLst>
+              <a:gd name="connsiteX0" fmla="*/ 1246925 w 9324977"/>
+              <a:gd name="connsiteY0" fmla="*/ 0 h 6858479"/>
+              <a:gd name="connsiteX1" fmla="*/ 5076797 w 9324977"/>
+              <a:gd name="connsiteY1" fmla="*/ 0 h 6858479"/>
+              <a:gd name="connsiteX2" fmla="*/ 6143025 w 9324977"/>
+              <a:gd name="connsiteY2" fmla="*/ 0 h 6858479"/>
+              <a:gd name="connsiteX3" fmla="*/ 6148602 w 9324977"/>
+              <a:gd name="connsiteY3" fmla="*/ 0 h 6858479"/>
+              <a:gd name="connsiteX4" fmla="*/ 9324977 w 9324977"/>
+              <a:gd name="connsiteY4" fmla="*/ 6858478 h 6858479"/>
+              <a:gd name="connsiteX5" fmla="*/ 3359025 w 9324977"/>
+              <a:gd name="connsiteY5" fmla="*/ 6858478 h 6858479"/>
+              <a:gd name="connsiteX6" fmla="*/ 3359025 w 9324977"/>
+              <a:gd name="connsiteY6" fmla="*/ 6858479 h 6858479"/>
+              <a:gd name="connsiteX7" fmla="*/ 0 w 9324977"/>
+              <a:gd name="connsiteY7" fmla="*/ 6858479 h 6858479"/>
+              <a:gd name="connsiteX8" fmla="*/ 0 w 9324977"/>
+              <a:gd name="connsiteY8" fmla="*/ 479 h 6858479"/>
+              <a:gd name="connsiteX9" fmla="*/ 1246925 w 9324977"/>
+              <a:gd name="connsiteY9" fmla="*/ 479 h 6858479"/>
+            </a:gdLst>
+            <a:ahLst/>
+            <a:cxnLst>
+              <a:cxn ang="0">
+                <a:pos x="connsiteX0" y="connsiteY0"/>
+              </a:cxn>
+              <a:cxn ang="0">
+                <a:pos x="connsiteX1" y="connsiteY1"/>
+              </a:cxn>
+              <a:cxn ang="0">
+                <a:pos x="connsiteX2" y="connsiteY2"/>
+              </a:cxn>
+              <a:cxn ang="0">
+                <a:pos x="connsiteX3" y="connsiteY3"/>
+              </a:cxn>
+              <a:cxn ang="0">
+                <a:pos x="connsiteX4" y="connsiteY4"/>
+              </a:cxn>
+              <a:cxn ang="0">
+                <a:pos x="connsiteX5" y="connsiteY5"/>
+              </a:cxn>
+              <a:cxn ang="0">
+                <a:pos x="connsiteX6" y="connsiteY6"/>
+              </a:cxn>
+              <a:cxn ang="0">
+                <a:pos x="connsiteX7" y="connsiteY7"/>
+              </a:cxn>
+              <a:cxn ang="0">
+                <a:pos x="connsiteX8" y="connsiteY8"/>
+              </a:cxn>
+              <a:cxn ang="0">
+                <a:pos x="connsiteX9" y="connsiteY9"/>
+              </a:cxn>
+            </a:cxnLst>
+            <a:rect l="l" t="t" r="r" b="b"/>
+            <a:pathLst>
+              <a:path w="9324977" h="6858479">
+                <a:moveTo>
+                  <a:pt x="1246925" y="0"/>
+                </a:moveTo>
+                <a:lnTo>
+                  <a:pt x="5076797" y="0"/>
+                </a:lnTo>
+                <a:lnTo>
+                  <a:pt x="6143025" y="0"/>
+                </a:lnTo>
+                <a:lnTo>
+                  <a:pt x="6148602" y="0"/>
+                </a:lnTo>
+                <a:lnTo>
+                  <a:pt x="9324977" y="6858478"/>
+                </a:lnTo>
+                <a:lnTo>
+                  <a:pt x="3359025" y="6858478"/>
+                </a:lnTo>
+                <a:lnTo>
+                  <a:pt x="3359025" y="6858479"/>
+                </a:lnTo>
+                <a:lnTo>
+                  <a:pt x="0" y="6858479"/>
+                </a:lnTo>
+                <a:lnTo>
+                  <a:pt x="0" y="479"/>
+                </a:lnTo>
+                <a:lnTo>
+                  <a:pt x="1246925" y="479"/>
+                </a:lnTo>
+                <a:close/>
+              </a:path>
+            </a:pathLst>
+          </a:custGeom>
+          <a:solidFill>
+            <a:schemeClr val="bg1">
+              <a:lumMod val="85000"/>
+              <a:lumOff val="15000"/>
+            </a:schemeClr>
+          </a:solidFill>
+          <a:ln>
+            <a:noFill/>
+          </a:ln>
+        </p:spPr>
+        <p:style>
+          <a:lnRef idx="2">
+            <a:schemeClr val="accent1">
+              <a:shade val="50000"/>
+            </a:schemeClr>
+          </a:lnRef>
+          <a:fillRef idx="1">
+            <a:schemeClr val="accent1"/>
+          </a:fillRef>
+          <a:effectRef idx="0">
+            <a:schemeClr val="accent1"/>
+          </a:effectRef>
+          <a:fontRef idx="minor">
+            <a:schemeClr val="lt1"/>
+          </a:fontRef>
+        </p:style>
+        <p:txBody>
+          <a:bodyPr rtlCol="0" anchor="ctr"/>
+          <a:lstStyle/>
+          <a:p>
+            <a:pPr marL="0" marR="0" lvl="0" indent="0" algn="ctr" defTabSz="914400" rtl="0" eaLnBrk="1" fontAlgn="auto" latinLnBrk="0" hangingPunct="1">
+              <a:lnSpc>
+                <a:spcPct val="100000"/>
+              </a:lnSpc>
+              <a:spcBef>
+                <a:spcPts val="0"/>
+              </a:spcBef>
+              <a:spcAft>
+                <a:spcPts val="0"/>
+              </a:spcAft>
+              <a:buClrTx/>
+              <a:buSzTx/>
+              <a:buFontTx/>
+              <a:buNone/>
+              <a:tabLst/>
+              <a:defRPr/>
+            </a:pPr>
+            <a:endParaRPr kumimoji="0" lang="en-US" sz="1800" b="0" i="0" u="none" strike="noStrike" kern="1200" cap="none" spc="0" normalizeH="0" baseline="0" noProof="0">
+              <a:ln>
+                <a:noFill/>
+              </a:ln>
+              <a:solidFill>
+                <a:prstClr val="white"/>
+              </a:solidFill>
+              <a:effectLst/>
+              <a:uLnTx/>
+              <a:uFillTx/>
+              <a:latin typeface="Calibri" panose="020F0502020204030204"/>
+              <a:ea typeface="+mn-ea"/>
+              <a:cs typeface="+mn-cs"/>
+            </a:endParaRPr>
+          </a:p>
+        </p:txBody>
+      </p:sp>
+      <p:sp>
+        <p:nvSpPr>
+          <p:cNvPr id="2" name="Title 1">
+            <a:extLst>
+              <a:ext uri="{FF2B5EF4-FFF2-40B4-BE49-F238E27FC236}">
+                <a16:creationId xmlns:a16="http://schemas.microsoft.com/office/drawing/2014/main" id="{52155BA8-728A-4028-BC9F-8FD1208021EF}"/>
+              </a:ext>
+            </a:extLst>
+          </p:cNvPr>
+          <p:cNvSpPr>
+            <a:spLocks noGrp="1"/>
+          </p:cNvSpPr>
+          <p:nvPr>
+            <p:ph type="ctrTitle"/>
+          </p:nvPr>
+        </p:nvSpPr>
+        <p:spPr>
+          <a:xfrm>
+            <a:off x="804672" y="962246"/>
+            <a:ext cx="6437700" cy="2611967"/>
+          </a:xfrm>
+        </p:spPr>
+        <p:txBody>
+          <a:bodyPr anchor="b">
+            <a:normAutofit/>
+          </a:bodyPr>
+          <a:lstStyle/>
+          <a:p>
+            <a:pPr algn="l"/>
+            <a:r>
+              <a:rPr lang="en-US" sz="5400"/>
+              <a:t>Thank You!</a:t>
+            </a:r>
+          </a:p>
+        </p:txBody>
+      </p:sp>
+    </p:spTree>
+    <p:extLst>
+      <p:ext uri="{BB962C8B-B14F-4D97-AF65-F5344CB8AC3E}">
+        <p14:creationId xmlns:p14="http://schemas.microsoft.com/office/powerpoint/2010/main" val="244983243"/>
       </p:ext>
     </p:extLst>
   </p:cSld>
